--- a/Lectures/A2.b_Bash-loops_scripting.pptx
+++ b/Lectures/A2.b_Bash-loops_scripting.pptx
@@ -817,7 +817,7 @@
   <p:cSld>
     <p:spTree>
       <p:nvGrpSpPr>
-        <p:cNvPr id="118" name="Shape 118"/>
+        <p:cNvPr id="119" name="Shape 119"/>
         <p:cNvGrpSpPr/>
         <p:nvPr/>
       </p:nvGrpSpPr>
@@ -831,7 +831,7 @@
       </p:grpSpPr>
       <p:sp>
         <p:nvSpPr>
-          <p:cNvPr id="119" name="Google Shape;119;g9603dd27a0_2_0:notes"/>
+          <p:cNvPr id="120" name="Google Shape;120;g9603dd27a0_2_0:notes"/>
           <p:cNvSpPr/>
           <p:nvPr>
             <p:ph idx="2" type="sldImg"/>
@@ -866,7 +866,7 @@
       </p:sp>
       <p:sp>
         <p:nvSpPr>
-          <p:cNvPr id="120" name="Google Shape;120;g9603dd27a0_2_0:notes"/>
+          <p:cNvPr id="121" name="Google Shape;121;g9603dd27a0_2_0:notes"/>
           <p:cNvSpPr txBox="1"/>
           <p:nvPr>
             <p:ph idx="1" type="body"/>
@@ -916,7 +916,7 @@
   <p:cSld>
     <p:spTree>
       <p:nvGrpSpPr>
-        <p:cNvPr id="126" name="Shape 126"/>
+        <p:cNvPr id="127" name="Shape 127"/>
         <p:cNvGrpSpPr/>
         <p:nvPr/>
       </p:nvGrpSpPr>
@@ -930,7 +930,7 @@
       </p:grpSpPr>
       <p:sp>
         <p:nvSpPr>
-          <p:cNvPr id="127" name="Google Shape;127;g9603dd27a0_2_7:notes"/>
+          <p:cNvPr id="128" name="Google Shape;128;g9603dd27a0_2_7:notes"/>
           <p:cNvSpPr/>
           <p:nvPr>
             <p:ph idx="2" type="sldImg"/>
@@ -965,7 +965,7 @@
       </p:sp>
       <p:sp>
         <p:nvSpPr>
-          <p:cNvPr id="128" name="Google Shape;128;g9603dd27a0_2_7:notes"/>
+          <p:cNvPr id="129" name="Google Shape;129;g9603dd27a0_2_7:notes"/>
           <p:cNvSpPr txBox="1"/>
           <p:nvPr>
             <p:ph idx="1" type="body"/>
@@ -1015,7 +1015,7 @@
   <p:cSld>
     <p:spTree>
       <p:nvGrpSpPr>
-        <p:cNvPr id="135" name="Shape 135"/>
+        <p:cNvPr id="136" name="Shape 136"/>
         <p:cNvGrpSpPr/>
         <p:nvPr/>
       </p:nvGrpSpPr>
@@ -1029,7 +1029,7 @@
       </p:grpSpPr>
       <p:sp>
         <p:nvSpPr>
-          <p:cNvPr id="136" name="Google Shape;136;g9603dd27a0_2_17:notes"/>
+          <p:cNvPr id="137" name="Google Shape;137;g9603dd27a0_2_17:notes"/>
           <p:cNvSpPr/>
           <p:nvPr>
             <p:ph idx="2" type="sldImg"/>
@@ -1064,7 +1064,7 @@
       </p:sp>
       <p:sp>
         <p:nvSpPr>
-          <p:cNvPr id="137" name="Google Shape;137;g9603dd27a0_2_17:notes"/>
+          <p:cNvPr id="138" name="Google Shape;138;g9603dd27a0_2_17:notes"/>
           <p:cNvSpPr txBox="1"/>
           <p:nvPr>
             <p:ph idx="1" type="body"/>
@@ -1114,7 +1114,7 @@
   <p:cSld>
     <p:spTree>
       <p:nvGrpSpPr>
-        <p:cNvPr id="144" name="Shape 144"/>
+        <p:cNvPr id="145" name="Shape 145"/>
         <p:cNvGrpSpPr/>
         <p:nvPr/>
       </p:nvGrpSpPr>
@@ -1128,7 +1128,7 @@
       </p:grpSpPr>
       <p:sp>
         <p:nvSpPr>
-          <p:cNvPr id="145" name="Google Shape;145;g9603dd27a0_2_28:notes"/>
+          <p:cNvPr id="146" name="Google Shape;146;g9603dd27a0_2_28:notes"/>
           <p:cNvSpPr/>
           <p:nvPr>
             <p:ph idx="2" type="sldImg"/>
@@ -1173,7 +1173,7 @@
       </p:sp>
       <p:sp>
         <p:nvSpPr>
-          <p:cNvPr id="146" name="Google Shape;146;g9603dd27a0_2_28:notes"/>
+          <p:cNvPr id="147" name="Google Shape;147;g9603dd27a0_2_28:notes"/>
           <p:cNvSpPr txBox="1"/>
           <p:nvPr>
             <p:ph idx="1" type="body"/>
@@ -1231,7 +1231,7 @@
   <p:cSld>
     <p:spTree>
       <p:nvGrpSpPr>
-        <p:cNvPr id="152" name="Shape 152"/>
+        <p:cNvPr id="153" name="Shape 153"/>
         <p:cNvGrpSpPr/>
         <p:nvPr/>
       </p:nvGrpSpPr>
@@ -1245,7 +1245,7 @@
       </p:grpSpPr>
       <p:sp>
         <p:nvSpPr>
-          <p:cNvPr id="153" name="Google Shape;153;g9603dd27a0_2_82:notes"/>
+          <p:cNvPr id="154" name="Google Shape;154;g9603dd27a0_2_82:notes"/>
           <p:cNvSpPr/>
           <p:nvPr>
             <p:ph idx="2" type="sldImg"/>
@@ -1290,7 +1290,7 @@
       </p:sp>
       <p:sp>
         <p:nvSpPr>
-          <p:cNvPr id="154" name="Google Shape;154;g9603dd27a0_2_82:notes"/>
+          <p:cNvPr id="155" name="Google Shape;155;g9603dd27a0_2_82:notes"/>
           <p:cNvSpPr txBox="1"/>
           <p:nvPr>
             <p:ph idx="1" type="body"/>
@@ -1348,7 +1348,7 @@
   <p:cSld>
     <p:spTree>
       <p:nvGrpSpPr>
-        <p:cNvPr id="159" name="Shape 159"/>
+        <p:cNvPr id="160" name="Shape 160"/>
         <p:cNvGrpSpPr/>
         <p:nvPr/>
       </p:nvGrpSpPr>
@@ -1362,7 +1362,7 @@
       </p:grpSpPr>
       <p:sp>
         <p:nvSpPr>
-          <p:cNvPr id="160" name="Google Shape;160;g9603dd27a0_2_117:notes"/>
+          <p:cNvPr id="161" name="Google Shape;161;g9603dd27a0_2_117:notes"/>
           <p:cNvSpPr/>
           <p:nvPr>
             <p:ph idx="2" type="sldImg"/>
@@ -1397,7 +1397,7 @@
       </p:sp>
       <p:sp>
         <p:nvSpPr>
-          <p:cNvPr id="161" name="Google Shape;161;g9603dd27a0_2_117:notes"/>
+          <p:cNvPr id="162" name="Google Shape;162;g9603dd27a0_2_117:notes"/>
           <p:cNvSpPr txBox="1"/>
           <p:nvPr>
             <p:ph idx="1" type="body"/>
@@ -1447,7 +1447,7 @@
   <p:cSld>
     <p:spTree>
       <p:nvGrpSpPr>
-        <p:cNvPr id="165" name="Shape 165"/>
+        <p:cNvPr id="166" name="Shape 166"/>
         <p:cNvGrpSpPr/>
         <p:nvPr/>
       </p:nvGrpSpPr>
@@ -1461,7 +1461,7 @@
       </p:grpSpPr>
       <p:sp>
         <p:nvSpPr>
-          <p:cNvPr id="166" name="Google Shape;166;g9603dd27a0_2_108:notes"/>
+          <p:cNvPr id="167" name="Google Shape;167;g9603dd27a0_2_108:notes"/>
           <p:cNvSpPr/>
           <p:nvPr>
             <p:ph idx="2" type="sldImg"/>
@@ -1496,7 +1496,7 @@
       </p:sp>
       <p:sp>
         <p:nvSpPr>
-          <p:cNvPr id="167" name="Google Shape;167;g9603dd27a0_2_108:notes"/>
+          <p:cNvPr id="168" name="Google Shape;168;g9603dd27a0_2_108:notes"/>
           <p:cNvSpPr txBox="1"/>
           <p:nvPr>
             <p:ph idx="1" type="body"/>
@@ -1546,7 +1546,7 @@
   <p:cSld>
     <p:spTree>
       <p:nvGrpSpPr>
-        <p:cNvPr id="175" name="Shape 175"/>
+        <p:cNvPr id="176" name="Shape 176"/>
         <p:cNvGrpSpPr/>
         <p:nvPr/>
       </p:nvGrpSpPr>
@@ -1560,7 +1560,7 @@
       </p:grpSpPr>
       <p:sp>
         <p:nvSpPr>
-          <p:cNvPr id="176" name="Google Shape;176;g9603dd27a0_2_129:notes"/>
+          <p:cNvPr id="177" name="Google Shape;177;g9603dd27a0_2_129:notes"/>
           <p:cNvSpPr/>
           <p:nvPr>
             <p:ph idx="2" type="sldImg"/>
@@ -1595,7 +1595,7 @@
       </p:sp>
       <p:sp>
         <p:nvSpPr>
-          <p:cNvPr id="177" name="Google Shape;177;g9603dd27a0_2_129:notes"/>
+          <p:cNvPr id="178" name="Google Shape;178;g9603dd27a0_2_129:notes"/>
           <p:cNvSpPr txBox="1"/>
           <p:nvPr>
             <p:ph idx="1" type="body"/>
@@ -1645,7 +1645,7 @@
   <p:cSld>
     <p:spTree>
       <p:nvGrpSpPr>
-        <p:cNvPr id="183" name="Shape 183"/>
+        <p:cNvPr id="184" name="Shape 184"/>
         <p:cNvGrpSpPr/>
         <p:nvPr/>
       </p:nvGrpSpPr>
@@ -1659,7 +1659,7 @@
       </p:grpSpPr>
       <p:sp>
         <p:nvSpPr>
-          <p:cNvPr id="184" name="Google Shape;184;g9603dd27a0_2_140:notes"/>
+          <p:cNvPr id="185" name="Google Shape;185;g9603dd27a0_2_140:notes"/>
           <p:cNvSpPr/>
           <p:nvPr>
             <p:ph idx="2" type="sldImg"/>
@@ -1694,7 +1694,7 @@
       </p:sp>
       <p:sp>
         <p:nvSpPr>
-          <p:cNvPr id="185" name="Google Shape;185;g9603dd27a0_2_140:notes"/>
+          <p:cNvPr id="186" name="Google Shape;186;g9603dd27a0_2_140:notes"/>
           <p:cNvSpPr txBox="1"/>
           <p:nvPr>
             <p:ph idx="1" type="body"/>
@@ -1744,7 +1744,7 @@
   <p:cSld>
     <p:spTree>
       <p:nvGrpSpPr>
-        <p:cNvPr id="190" name="Shape 190"/>
+        <p:cNvPr id="191" name="Shape 191"/>
         <p:cNvGrpSpPr/>
         <p:nvPr/>
       </p:nvGrpSpPr>
@@ -1758,7 +1758,7 @@
       </p:grpSpPr>
       <p:sp>
         <p:nvSpPr>
-          <p:cNvPr id="191" name="Google Shape;191;g9603dd27a0_2_146:notes"/>
+          <p:cNvPr id="192" name="Google Shape;192;g9603dd27a0_2_146:notes"/>
           <p:cNvSpPr/>
           <p:nvPr>
             <p:ph idx="2" type="sldImg"/>
@@ -1793,7 +1793,7 @@
       </p:sp>
       <p:sp>
         <p:nvSpPr>
-          <p:cNvPr id="192" name="Google Shape;192;g9603dd27a0_2_146:notes"/>
+          <p:cNvPr id="193" name="Google Shape;193;g9603dd27a0_2_146:notes"/>
           <p:cNvSpPr txBox="1"/>
           <p:nvPr>
             <p:ph idx="1" type="body"/>
@@ -1942,7 +1942,7 @@
   <p:cSld>
     <p:spTree>
       <p:nvGrpSpPr>
-        <p:cNvPr id="199" name="Shape 199"/>
+        <p:cNvPr id="200" name="Shape 200"/>
         <p:cNvGrpSpPr/>
         <p:nvPr/>
       </p:nvGrpSpPr>
@@ -1956,7 +1956,7 @@
       </p:grpSpPr>
       <p:sp>
         <p:nvSpPr>
-          <p:cNvPr id="200" name="Google Shape;200;g9603dd27a0_2_155:notes"/>
+          <p:cNvPr id="201" name="Google Shape;201;g9603dd27a0_2_155:notes"/>
           <p:cNvSpPr/>
           <p:nvPr>
             <p:ph idx="2" type="sldImg"/>
@@ -1991,7 +1991,7 @@
       </p:sp>
       <p:sp>
         <p:nvSpPr>
-          <p:cNvPr id="201" name="Google Shape;201;g9603dd27a0_2_155:notes"/>
+          <p:cNvPr id="202" name="Google Shape;202;g9603dd27a0_2_155:notes"/>
           <p:cNvSpPr txBox="1"/>
           <p:nvPr>
             <p:ph idx="1" type="body"/>
@@ -2041,7 +2041,7 @@
   <p:cSld>
     <p:spTree>
       <p:nvGrpSpPr>
-        <p:cNvPr id="210" name="Shape 210"/>
+        <p:cNvPr id="211" name="Shape 211"/>
         <p:cNvGrpSpPr/>
         <p:nvPr/>
       </p:nvGrpSpPr>
@@ -2055,7 +2055,7 @@
       </p:grpSpPr>
       <p:sp>
         <p:nvSpPr>
-          <p:cNvPr id="211" name="Google Shape;211;g9603dd27a0_2_168:notes"/>
+          <p:cNvPr id="212" name="Google Shape;212;g9603dd27a0_2_168:notes"/>
           <p:cNvSpPr/>
           <p:nvPr>
             <p:ph idx="2" type="sldImg"/>
@@ -2090,7 +2090,7 @@
       </p:sp>
       <p:sp>
         <p:nvSpPr>
-          <p:cNvPr id="212" name="Google Shape;212;g9603dd27a0_2_168:notes"/>
+          <p:cNvPr id="213" name="Google Shape;213;g9603dd27a0_2_168:notes"/>
           <p:cNvSpPr txBox="1"/>
           <p:nvPr>
             <p:ph idx="1" type="body"/>
@@ -2140,7 +2140,7 @@
   <p:cSld>
     <p:spTree>
       <p:nvGrpSpPr>
-        <p:cNvPr id="219" name="Shape 219"/>
+        <p:cNvPr id="220" name="Shape 220"/>
         <p:cNvGrpSpPr/>
         <p:nvPr/>
       </p:nvGrpSpPr>
@@ -2154,7 +2154,7 @@
       </p:grpSpPr>
       <p:sp>
         <p:nvSpPr>
-          <p:cNvPr id="220" name="Google Shape;220;g9603dd27a0_2_183:notes"/>
+          <p:cNvPr id="221" name="Google Shape;221;g9603dd27a0_2_183:notes"/>
           <p:cNvSpPr/>
           <p:nvPr>
             <p:ph idx="2" type="sldImg"/>
@@ -2189,7 +2189,7 @@
       </p:sp>
       <p:sp>
         <p:nvSpPr>
-          <p:cNvPr id="221" name="Google Shape;221;g9603dd27a0_2_183:notes"/>
+          <p:cNvPr id="222" name="Google Shape;222;g9603dd27a0_2_183:notes"/>
           <p:cNvSpPr txBox="1"/>
           <p:nvPr>
             <p:ph idx="1" type="body"/>
@@ -2239,7 +2239,7 @@
   <p:cSld>
     <p:spTree>
       <p:nvGrpSpPr>
-        <p:cNvPr id="230" name="Shape 230"/>
+        <p:cNvPr id="231" name="Shape 231"/>
         <p:cNvGrpSpPr/>
         <p:nvPr/>
       </p:nvGrpSpPr>
@@ -2253,7 +2253,7 @@
       </p:grpSpPr>
       <p:sp>
         <p:nvSpPr>
-          <p:cNvPr id="231" name="Google Shape;231;g9603dd27a0_2_203:notes"/>
+          <p:cNvPr id="232" name="Google Shape;232;g9603dd27a0_2_203:notes"/>
           <p:cNvSpPr/>
           <p:nvPr>
             <p:ph idx="2" type="sldImg"/>
@@ -2288,7 +2288,7 @@
       </p:sp>
       <p:sp>
         <p:nvSpPr>
-          <p:cNvPr id="232" name="Google Shape;232;g9603dd27a0_2_203:notes"/>
+          <p:cNvPr id="233" name="Google Shape;233;g9603dd27a0_2_203:notes"/>
           <p:cNvSpPr txBox="1"/>
           <p:nvPr>
             <p:ph idx="1" type="body"/>
@@ -2338,7 +2338,7 @@
   <p:cSld>
     <p:spTree>
       <p:nvGrpSpPr>
-        <p:cNvPr id="237" name="Shape 237"/>
+        <p:cNvPr id="238" name="Shape 238"/>
         <p:cNvGrpSpPr/>
         <p:nvPr/>
       </p:nvGrpSpPr>
@@ -2352,7 +2352,7 @@
       </p:grpSpPr>
       <p:sp>
         <p:nvSpPr>
-          <p:cNvPr id="238" name="Google Shape;238;g9603dd27a0_2_209:notes"/>
+          <p:cNvPr id="239" name="Google Shape;239;g9603dd27a0_2_209:notes"/>
           <p:cNvSpPr/>
           <p:nvPr>
             <p:ph idx="2" type="sldImg"/>
@@ -2387,7 +2387,7 @@
       </p:sp>
       <p:sp>
         <p:nvSpPr>
-          <p:cNvPr id="239" name="Google Shape;239;g9603dd27a0_2_209:notes"/>
+          <p:cNvPr id="240" name="Google Shape;240;g9603dd27a0_2_209:notes"/>
           <p:cNvSpPr txBox="1"/>
           <p:nvPr>
             <p:ph idx="1" type="body"/>
@@ -2437,7 +2437,7 @@
   <p:cSld>
     <p:spTree>
       <p:nvGrpSpPr>
-        <p:cNvPr id="246" name="Shape 246"/>
+        <p:cNvPr id="247" name="Shape 247"/>
         <p:cNvGrpSpPr/>
         <p:nvPr/>
       </p:nvGrpSpPr>
@@ -2451,7 +2451,7 @@
       </p:grpSpPr>
       <p:sp>
         <p:nvSpPr>
-          <p:cNvPr id="247" name="Google Shape;247;g98c24f7b48_0_166:notes"/>
+          <p:cNvPr id="248" name="Google Shape;248;g98c24f7b48_0_166:notes"/>
           <p:cNvSpPr/>
           <p:nvPr>
             <p:ph idx="2" type="sldImg"/>
@@ -2486,7 +2486,7 @@
       </p:sp>
       <p:sp>
         <p:nvSpPr>
-          <p:cNvPr id="248" name="Google Shape;248;g98c24f7b48_0_166:notes"/>
+          <p:cNvPr id="249" name="Google Shape;249;g98c24f7b48_0_166:notes"/>
           <p:cNvSpPr txBox="1"/>
           <p:nvPr>
             <p:ph idx="1" type="body"/>
@@ -2536,7 +2536,7 @@
   <p:cSld>
     <p:spTree>
       <p:nvGrpSpPr>
-        <p:cNvPr id="255" name="Shape 255"/>
+        <p:cNvPr id="256" name="Shape 256"/>
         <p:cNvGrpSpPr/>
         <p:nvPr/>
       </p:nvGrpSpPr>
@@ -2550,7 +2550,7 @@
       </p:grpSpPr>
       <p:sp>
         <p:nvSpPr>
-          <p:cNvPr id="256" name="Google Shape;256;g9603dd27a0_2_235:notes"/>
+          <p:cNvPr id="257" name="Google Shape;257;g9603dd27a0_2_235:notes"/>
           <p:cNvSpPr/>
           <p:nvPr>
             <p:ph idx="2" type="sldImg"/>
@@ -2595,7 +2595,7 @@
       </p:sp>
       <p:sp>
         <p:nvSpPr>
-          <p:cNvPr id="257" name="Google Shape;257;g9603dd27a0_2_235:notes"/>
+          <p:cNvPr id="258" name="Google Shape;258;g9603dd27a0_2_235:notes"/>
           <p:cNvSpPr txBox="1"/>
           <p:nvPr>
             <p:ph idx="1" type="body"/>
@@ -2653,7 +2653,7 @@
   <p:cSld>
     <p:spTree>
       <p:nvGrpSpPr>
-        <p:cNvPr id="263" name="Shape 263"/>
+        <p:cNvPr id="264" name="Shape 264"/>
         <p:cNvGrpSpPr/>
         <p:nvPr/>
       </p:nvGrpSpPr>
@@ -2667,7 +2667,7 @@
       </p:grpSpPr>
       <p:sp>
         <p:nvSpPr>
-          <p:cNvPr id="264" name="Google Shape;264;g9603dd27a0_0_0:notes"/>
+          <p:cNvPr id="265" name="Google Shape;265;g9603dd27a0_0_0:notes"/>
           <p:cNvSpPr/>
           <p:nvPr>
             <p:ph idx="2" type="sldImg"/>
@@ -2712,7 +2712,7 @@
       </p:sp>
       <p:sp>
         <p:nvSpPr>
-          <p:cNvPr id="265" name="Google Shape;265;g9603dd27a0_0_0:notes"/>
+          <p:cNvPr id="266" name="Google Shape;266;g9603dd27a0_0_0:notes"/>
           <p:cNvSpPr txBox="1"/>
           <p:nvPr>
             <p:ph idx="1" type="body"/>
@@ -2771,7 +2771,7 @@
   <p:cSld>
     <p:spTree>
       <p:nvGrpSpPr>
-        <p:cNvPr id="270" name="Shape 270"/>
+        <p:cNvPr id="271" name="Shape 271"/>
         <p:cNvGrpSpPr/>
         <p:nvPr/>
       </p:nvGrpSpPr>
@@ -2785,7 +2785,7 @@
       </p:grpSpPr>
       <p:sp>
         <p:nvSpPr>
-          <p:cNvPr id="271" name="Google Shape;271;g9603dd27a0_0_54:notes"/>
+          <p:cNvPr id="272" name="Google Shape;272;g9603dd27a0_0_54:notes"/>
           <p:cNvSpPr/>
           <p:nvPr>
             <p:ph idx="2" type="sldImg"/>
@@ -2830,7 +2830,7 @@
       </p:sp>
       <p:sp>
         <p:nvSpPr>
-          <p:cNvPr id="272" name="Google Shape;272;g9603dd27a0_0_54:notes"/>
+          <p:cNvPr id="273" name="Google Shape;273;g9603dd27a0_0_54:notes"/>
           <p:cNvSpPr txBox="1"/>
           <p:nvPr>
             <p:ph idx="1" type="body"/>
@@ -8511,7 +8511,7 @@
   <p:cSld>
     <p:spTree>
       <p:nvGrpSpPr>
-        <p:cNvPr id="121" name="Shape 121"/>
+        <p:cNvPr id="122" name="Shape 122"/>
         <p:cNvGrpSpPr/>
         <p:nvPr/>
       </p:nvGrpSpPr>
@@ -8525,7 +8525,7 @@
       </p:grpSpPr>
       <p:sp>
         <p:nvSpPr>
-          <p:cNvPr id="122" name="Google Shape;122;p22"/>
+          <p:cNvPr id="123" name="Google Shape;123;p22"/>
           <p:cNvSpPr txBox="1"/>
           <p:nvPr>
             <p:ph type="ctrTitle"/>
@@ -8573,7 +8573,7 @@
       </p:sp>
       <p:cxnSp>
         <p:nvCxnSpPr>
-          <p:cNvPr id="123" name="Google Shape;123;p22"/>
+          <p:cNvPr id="124" name="Google Shape;124;p22"/>
           <p:cNvCxnSpPr/>
           <p:nvPr/>
         </p:nvCxnSpPr>
@@ -8599,7 +8599,7 @@
       </p:cxnSp>
       <p:sp>
         <p:nvSpPr>
-          <p:cNvPr id="124" name="Google Shape;124;p22"/>
+          <p:cNvPr id="125" name="Google Shape;125;p22"/>
           <p:cNvSpPr txBox="1"/>
           <p:nvPr>
             <p:ph idx="12" type="sldNum"/>
@@ -8639,7 +8639,7 @@
       </p:sp>
       <p:sp>
         <p:nvSpPr>
-          <p:cNvPr id="125" name="Google Shape;125;p22"/>
+          <p:cNvPr id="126" name="Google Shape;126;p22"/>
           <p:cNvSpPr txBox="1"/>
           <p:nvPr/>
         </p:nvSpPr>
@@ -8729,7 +8729,7 @@
   <p:cSld>
     <p:spTree>
       <p:nvGrpSpPr>
-        <p:cNvPr id="129" name="Shape 129"/>
+        <p:cNvPr id="130" name="Shape 130"/>
         <p:cNvGrpSpPr/>
         <p:nvPr/>
       </p:nvGrpSpPr>
@@ -8743,7 +8743,7 @@
       </p:grpSpPr>
       <p:sp>
         <p:nvSpPr>
-          <p:cNvPr id="130" name="Google Shape;130;p23"/>
+          <p:cNvPr id="131" name="Google Shape;131;p23"/>
           <p:cNvSpPr txBox="1"/>
           <p:nvPr>
             <p:ph type="ctrTitle"/>
@@ -8791,7 +8791,7 @@
       </p:sp>
       <p:cxnSp>
         <p:nvCxnSpPr>
-          <p:cNvPr id="131" name="Google Shape;131;p23"/>
+          <p:cNvPr id="132" name="Google Shape;132;p23"/>
           <p:cNvCxnSpPr/>
           <p:nvPr/>
         </p:nvCxnSpPr>
@@ -8817,7 +8817,7 @@
       </p:cxnSp>
       <p:sp>
         <p:nvSpPr>
-          <p:cNvPr id="132" name="Google Shape;132;p23"/>
+          <p:cNvPr id="133" name="Google Shape;133;p23"/>
           <p:cNvSpPr txBox="1"/>
           <p:nvPr>
             <p:ph idx="12" type="sldNum"/>
@@ -8857,7 +8857,7 @@
       </p:sp>
       <p:sp>
         <p:nvSpPr>
-          <p:cNvPr id="133" name="Google Shape;133;p23"/>
+          <p:cNvPr id="134" name="Google Shape;134;p23"/>
           <p:cNvSpPr txBox="1"/>
           <p:nvPr/>
         </p:nvSpPr>
@@ -9123,13 +9123,13 @@
       </p:sp>
       <p:sp>
         <p:nvSpPr>
-          <p:cNvPr id="134" name="Google Shape;134;p23"/>
+          <p:cNvPr id="135" name="Google Shape;135;p23"/>
           <p:cNvSpPr txBox="1"/>
           <p:nvPr/>
         </p:nvSpPr>
         <p:spPr>
           <a:xfrm>
-            <a:off x="110825" y="4712650"/>
+            <a:off x="110825" y="4452400"/>
             <a:ext cx="5236800" cy="3000000"/>
           </a:xfrm>
           <a:prstGeom prst="rect">
@@ -9184,6 +9184,45 @@
               </a:solidFill>
             </a:endParaRPr>
           </a:p>
+          <a:p>
+            <a:pPr indent="0" lvl="0" marL="0" rtl="0" algn="l">
+              <a:spcBef>
+                <a:spcPts val="0"/>
+              </a:spcBef>
+              <a:spcAft>
+                <a:spcPts val="0"/>
+              </a:spcAft>
+              <a:buNone/>
+            </a:pPr>
+            <a:r>
+              <a:rPr lang="en" u="sng">
+                <a:solidFill>
+                  <a:srgbClr val="F1C232"/>
+                </a:solidFill>
+                <a:hlinkClick r:id="rId4">
+                  <a:extLst>
+                    <a:ext uri="{A12FA001-AC4F-418D-AE19-62706E023703}">
+                      <ahyp:hlinkClr val="tx"/>
+                    </a:ext>
+                  </a:extLst>
+                </a:hlinkClick>
+              </a:rPr>
+              <a:t>https://tldp.org/HOWTO/Bash-Prog-Intro-HOWTO-7.html</a:t>
+            </a:r>
+            <a:r>
+              <a:rPr lang="en">
+                <a:solidFill>
+                  <a:srgbClr val="F1C232"/>
+                </a:solidFill>
+              </a:rPr>
+              <a:t> </a:t>
+            </a:r>
+            <a:endParaRPr>
+              <a:solidFill>
+                <a:srgbClr val="F1C232"/>
+              </a:solidFill>
+            </a:endParaRPr>
+          </a:p>
         </p:txBody>
       </p:sp>
     </p:spTree>
@@ -9199,7 +9238,7 @@
   <p:cSld>
     <p:spTree>
       <p:nvGrpSpPr>
-        <p:cNvPr id="138" name="Shape 138"/>
+        <p:cNvPr id="139" name="Shape 139"/>
         <p:cNvGrpSpPr/>
         <p:nvPr/>
       </p:nvGrpSpPr>
@@ -9213,7 +9252,7 @@
       </p:grpSpPr>
       <p:sp>
         <p:nvSpPr>
-          <p:cNvPr id="139" name="Google Shape;139;p24"/>
+          <p:cNvPr id="140" name="Google Shape;140;p24"/>
           <p:cNvSpPr txBox="1"/>
           <p:nvPr>
             <p:ph type="ctrTitle"/>
@@ -9261,7 +9300,7 @@
       </p:sp>
       <p:cxnSp>
         <p:nvCxnSpPr>
-          <p:cNvPr id="140" name="Google Shape;140;p24"/>
+          <p:cNvPr id="141" name="Google Shape;141;p24"/>
           <p:cNvCxnSpPr/>
           <p:nvPr/>
         </p:nvCxnSpPr>
@@ -9287,7 +9326,7 @@
       </p:cxnSp>
       <p:sp>
         <p:nvSpPr>
-          <p:cNvPr id="141" name="Google Shape;141;p24"/>
+          <p:cNvPr id="142" name="Google Shape;142;p24"/>
           <p:cNvSpPr txBox="1"/>
           <p:nvPr>
             <p:ph idx="12" type="sldNum"/>
@@ -9327,7 +9366,7 @@
       </p:sp>
       <p:pic>
         <p:nvPicPr>
-          <p:cNvPr id="142" name="Google Shape;142;p24"/>
+          <p:cNvPr id="143" name="Google Shape;143;p24"/>
           <p:cNvPicPr preferRelativeResize="0"/>
           <p:nvPr/>
         </p:nvPicPr>
@@ -9355,7 +9394,7 @@
       </p:pic>
       <p:sp>
         <p:nvSpPr>
-          <p:cNvPr id="143" name="Google Shape;143;p24"/>
+          <p:cNvPr id="144" name="Google Shape;144;p24"/>
           <p:cNvSpPr txBox="1"/>
           <p:nvPr/>
         </p:nvSpPr>
@@ -9431,7 +9470,7 @@
   <p:cSld>
     <p:spTree>
       <p:nvGrpSpPr>
-        <p:cNvPr id="147" name="Shape 147"/>
+        <p:cNvPr id="148" name="Shape 148"/>
         <p:cNvGrpSpPr/>
         <p:nvPr/>
       </p:nvGrpSpPr>
@@ -9445,7 +9484,7 @@
       </p:grpSpPr>
       <p:sp>
         <p:nvSpPr>
-          <p:cNvPr id="148" name="Google Shape;148;p25"/>
+          <p:cNvPr id="149" name="Google Shape;149;p25"/>
           <p:cNvSpPr/>
           <p:nvPr/>
         </p:nvSpPr>
@@ -9504,7 +9543,7 @@
       </p:sp>
       <p:sp>
         <p:nvSpPr>
-          <p:cNvPr id="149" name="Google Shape;149;p25"/>
+          <p:cNvPr id="150" name="Google Shape;150;p25"/>
           <p:cNvSpPr txBox="1"/>
           <p:nvPr>
             <p:ph type="title"/>
@@ -9630,7 +9669,7 @@
       </p:sp>
       <p:sp>
         <p:nvSpPr>
-          <p:cNvPr id="150" name="Google Shape;150;p25"/>
+          <p:cNvPr id="151" name="Google Shape;151;p25"/>
           <p:cNvSpPr txBox="1"/>
           <p:nvPr>
             <p:ph idx="12" type="sldNum"/>
@@ -9670,7 +9709,7 @@
       </p:sp>
       <p:pic>
         <p:nvPicPr>
-          <p:cNvPr id="151" name="Google Shape;151;p25"/>
+          <p:cNvPr id="152" name="Google Shape;152;p25"/>
           <p:cNvPicPr preferRelativeResize="0"/>
           <p:nvPr/>
         </p:nvPicPr>
@@ -9708,7 +9747,7 @@
   <p:cSld>
     <p:spTree>
       <p:nvGrpSpPr>
-        <p:cNvPr id="155" name="Shape 155"/>
+        <p:cNvPr id="156" name="Shape 156"/>
         <p:cNvGrpSpPr/>
         <p:nvPr/>
       </p:nvGrpSpPr>
@@ -9722,7 +9761,7 @@
       </p:grpSpPr>
       <p:sp>
         <p:nvSpPr>
-          <p:cNvPr id="156" name="Google Shape;156;p26"/>
+          <p:cNvPr id="157" name="Google Shape;157;p26"/>
           <p:cNvSpPr txBox="1"/>
           <p:nvPr>
             <p:ph type="ctrTitle"/>
@@ -9794,7 +9833,7 @@
       </p:sp>
       <p:sp>
         <p:nvSpPr>
-          <p:cNvPr id="157" name="Google Shape;157;p26"/>
+          <p:cNvPr id="158" name="Google Shape;158;p26"/>
           <p:cNvSpPr txBox="1"/>
           <p:nvPr/>
         </p:nvSpPr>
@@ -9860,7 +9899,7 @@
       </p:sp>
       <p:sp>
         <p:nvSpPr>
-          <p:cNvPr id="158" name="Google Shape;158;p26"/>
+          <p:cNvPr id="159" name="Google Shape;159;p26"/>
           <p:cNvSpPr txBox="1"/>
           <p:nvPr>
             <p:ph idx="12" type="sldNum"/>
@@ -9911,7 +9950,7 @@
   <p:cSld>
     <p:spTree>
       <p:nvGrpSpPr>
-        <p:cNvPr id="162" name="Shape 162"/>
+        <p:cNvPr id="163" name="Shape 163"/>
         <p:cNvGrpSpPr/>
         <p:nvPr/>
       </p:nvGrpSpPr>
@@ -9925,7 +9964,7 @@
       </p:grpSpPr>
       <p:sp>
         <p:nvSpPr>
-          <p:cNvPr id="163" name="Google Shape;163;p27"/>
+          <p:cNvPr id="164" name="Google Shape;164;p27"/>
           <p:cNvSpPr txBox="1"/>
           <p:nvPr>
             <p:ph type="ctrTitle"/>
@@ -9996,7 +10035,7 @@
       </p:sp>
       <p:sp>
         <p:nvSpPr>
-          <p:cNvPr id="164" name="Google Shape;164;p27"/>
+          <p:cNvPr id="165" name="Google Shape;165;p27"/>
           <p:cNvSpPr txBox="1"/>
           <p:nvPr>
             <p:ph idx="12" type="sldNum"/>
@@ -10047,7 +10086,7 @@
   <p:cSld>
     <p:spTree>
       <p:nvGrpSpPr>
-        <p:cNvPr id="168" name="Shape 168"/>
+        <p:cNvPr id="169" name="Shape 169"/>
         <p:cNvGrpSpPr/>
         <p:nvPr/>
       </p:nvGrpSpPr>
@@ -10061,7 +10100,7 @@
       </p:grpSpPr>
       <p:sp>
         <p:nvSpPr>
-          <p:cNvPr id="169" name="Google Shape;169;p28"/>
+          <p:cNvPr id="170" name="Google Shape;170;p28"/>
           <p:cNvSpPr txBox="1"/>
           <p:nvPr>
             <p:ph type="ctrTitle"/>
@@ -10132,7 +10171,7 @@
       </p:sp>
       <p:sp>
         <p:nvSpPr>
-          <p:cNvPr id="170" name="Google Shape;170;p28"/>
+          <p:cNvPr id="171" name="Google Shape;171;p28"/>
           <p:cNvSpPr txBox="1"/>
           <p:nvPr>
             <p:ph idx="12" type="sldNum"/>
@@ -10172,7 +10211,7 @@
       </p:sp>
       <p:pic>
         <p:nvPicPr>
-          <p:cNvPr id="171" name="Google Shape;171;p28"/>
+          <p:cNvPr id="172" name="Google Shape;172;p28"/>
           <p:cNvPicPr preferRelativeResize="0"/>
           <p:nvPr/>
         </p:nvPicPr>
@@ -10199,7 +10238,7 @@
       </p:pic>
       <p:pic>
         <p:nvPicPr>
-          <p:cNvPr id="172" name="Google Shape;172;p28"/>
+          <p:cNvPr id="173" name="Google Shape;173;p28"/>
           <p:cNvPicPr preferRelativeResize="0"/>
           <p:nvPr/>
         </p:nvPicPr>
@@ -10226,7 +10265,7 @@
       </p:pic>
       <p:sp>
         <p:nvSpPr>
-          <p:cNvPr id="173" name="Google Shape;173;p28"/>
+          <p:cNvPr id="174" name="Google Shape;174;p28"/>
           <p:cNvSpPr txBox="1"/>
           <p:nvPr>
             <p:ph type="ctrTitle"/>
@@ -10274,7 +10313,7 @@
       </p:sp>
       <p:sp>
         <p:nvSpPr>
-          <p:cNvPr id="174" name="Google Shape;174;p28"/>
+          <p:cNvPr id="175" name="Google Shape;175;p28"/>
           <p:cNvSpPr txBox="1"/>
           <p:nvPr/>
         </p:nvSpPr>
@@ -10350,7 +10389,7 @@
   <p:cSld>
     <p:spTree>
       <p:nvGrpSpPr>
-        <p:cNvPr id="178" name="Shape 178"/>
+        <p:cNvPr id="179" name="Shape 179"/>
         <p:cNvGrpSpPr/>
         <p:nvPr/>
       </p:nvGrpSpPr>
@@ -10364,7 +10403,7 @@
       </p:grpSpPr>
       <p:sp>
         <p:nvSpPr>
-          <p:cNvPr id="179" name="Google Shape;179;p29"/>
+          <p:cNvPr id="180" name="Google Shape;180;p29"/>
           <p:cNvSpPr txBox="1"/>
           <p:nvPr>
             <p:ph type="ctrTitle"/>
@@ -10435,7 +10474,7 @@
       </p:sp>
       <p:sp>
         <p:nvSpPr>
-          <p:cNvPr id="180" name="Google Shape;180;p29"/>
+          <p:cNvPr id="181" name="Google Shape;181;p29"/>
           <p:cNvSpPr txBox="1"/>
           <p:nvPr>
             <p:ph idx="12" type="sldNum"/>
@@ -10475,7 +10514,7 @@
       </p:sp>
       <p:pic>
         <p:nvPicPr>
-          <p:cNvPr id="181" name="Google Shape;181;p29"/>
+          <p:cNvPr id="182" name="Google Shape;182;p29"/>
           <p:cNvPicPr preferRelativeResize="0"/>
           <p:nvPr/>
         </p:nvPicPr>
@@ -10503,7 +10542,7 @@
       </p:pic>
       <p:sp>
         <p:nvSpPr>
-          <p:cNvPr id="182" name="Google Shape;182;p29"/>
+          <p:cNvPr id="183" name="Google Shape;183;p29"/>
           <p:cNvSpPr txBox="1"/>
           <p:nvPr>
             <p:ph type="ctrTitle"/>
@@ -10562,7 +10601,7 @@
   <p:cSld>
     <p:spTree>
       <p:nvGrpSpPr>
-        <p:cNvPr id="186" name="Shape 186"/>
+        <p:cNvPr id="187" name="Shape 187"/>
         <p:cNvGrpSpPr/>
         <p:nvPr/>
       </p:nvGrpSpPr>
@@ -10576,7 +10615,7 @@
       </p:grpSpPr>
       <p:sp>
         <p:nvSpPr>
-          <p:cNvPr id="187" name="Google Shape;187;p30"/>
+          <p:cNvPr id="188" name="Google Shape;188;p30"/>
           <p:cNvSpPr txBox="1"/>
           <p:nvPr>
             <p:ph type="ctrTitle"/>
@@ -10624,7 +10663,7 @@
       </p:sp>
       <p:cxnSp>
         <p:nvCxnSpPr>
-          <p:cNvPr id="188" name="Google Shape;188;p30"/>
+          <p:cNvPr id="189" name="Google Shape;189;p30"/>
           <p:cNvCxnSpPr/>
           <p:nvPr/>
         </p:nvCxnSpPr>
@@ -10650,7 +10689,7 @@
       </p:cxnSp>
       <p:sp>
         <p:nvSpPr>
-          <p:cNvPr id="189" name="Google Shape;189;p30"/>
+          <p:cNvPr id="190" name="Google Shape;190;p30"/>
           <p:cNvSpPr txBox="1"/>
           <p:nvPr>
             <p:ph idx="12" type="sldNum"/>
@@ -10701,7 +10740,7 @@
   <p:cSld>
     <p:spTree>
       <p:nvGrpSpPr>
-        <p:cNvPr id="193" name="Shape 193"/>
+        <p:cNvPr id="194" name="Shape 194"/>
         <p:cNvGrpSpPr/>
         <p:nvPr/>
       </p:nvGrpSpPr>
@@ -10715,7 +10754,7 @@
       </p:grpSpPr>
       <p:sp>
         <p:nvSpPr>
-          <p:cNvPr id="194" name="Google Shape;194;p31"/>
+          <p:cNvPr id="195" name="Google Shape;195;p31"/>
           <p:cNvSpPr txBox="1"/>
           <p:nvPr>
             <p:ph type="ctrTitle"/>
@@ -10763,7 +10802,7 @@
       </p:sp>
       <p:cxnSp>
         <p:nvCxnSpPr>
-          <p:cNvPr id="195" name="Google Shape;195;p31"/>
+          <p:cNvPr id="196" name="Google Shape;196;p31"/>
           <p:cNvCxnSpPr/>
           <p:nvPr/>
         </p:nvCxnSpPr>
@@ -10789,7 +10828,7 @@
       </p:cxnSp>
       <p:sp>
         <p:nvSpPr>
-          <p:cNvPr id="196" name="Google Shape;196;p31"/>
+          <p:cNvPr id="197" name="Google Shape;197;p31"/>
           <p:cNvSpPr txBox="1"/>
           <p:nvPr>
             <p:ph idx="12" type="sldNum"/>
@@ -10829,7 +10868,7 @@
       </p:sp>
       <p:sp>
         <p:nvSpPr>
-          <p:cNvPr id="197" name="Google Shape;197;p31"/>
+          <p:cNvPr id="198" name="Google Shape;198;p31"/>
           <p:cNvSpPr txBox="1"/>
           <p:nvPr/>
         </p:nvSpPr>
@@ -10882,7 +10921,7 @@
       </p:sp>
       <p:pic>
         <p:nvPicPr>
-          <p:cNvPr id="198" name="Google Shape;198;p31"/>
+          <p:cNvPr id="199" name="Google Shape;199;p31"/>
           <p:cNvPicPr preferRelativeResize="0"/>
           <p:nvPr/>
         </p:nvPicPr>
@@ -11265,7 +11304,7 @@
   <p:cSld>
     <p:spTree>
       <p:nvGrpSpPr>
-        <p:cNvPr id="202" name="Shape 202"/>
+        <p:cNvPr id="203" name="Shape 203"/>
         <p:cNvGrpSpPr/>
         <p:nvPr/>
       </p:nvGrpSpPr>
@@ -11279,7 +11318,7 @@
       </p:grpSpPr>
       <p:sp>
         <p:nvSpPr>
-          <p:cNvPr id="203" name="Google Shape;203;p32"/>
+          <p:cNvPr id="204" name="Google Shape;204;p32"/>
           <p:cNvSpPr txBox="1"/>
           <p:nvPr>
             <p:ph type="ctrTitle"/>
@@ -11327,7 +11366,7 @@
       </p:sp>
       <p:cxnSp>
         <p:nvCxnSpPr>
-          <p:cNvPr id="204" name="Google Shape;204;p32"/>
+          <p:cNvPr id="205" name="Google Shape;205;p32"/>
           <p:cNvCxnSpPr/>
           <p:nvPr/>
         </p:nvCxnSpPr>
@@ -11353,7 +11392,7 @@
       </p:cxnSp>
       <p:sp>
         <p:nvSpPr>
-          <p:cNvPr id="205" name="Google Shape;205;p32"/>
+          <p:cNvPr id="206" name="Google Shape;206;p32"/>
           <p:cNvSpPr txBox="1"/>
           <p:nvPr>
             <p:ph idx="12" type="sldNum"/>
@@ -11393,7 +11432,7 @@
       </p:sp>
       <p:sp>
         <p:nvSpPr>
-          <p:cNvPr id="206" name="Google Shape;206;p32"/>
+          <p:cNvPr id="207" name="Google Shape;207;p32"/>
           <p:cNvSpPr txBox="1"/>
           <p:nvPr/>
         </p:nvSpPr>
@@ -11446,7 +11485,7 @@
       </p:sp>
       <p:pic>
         <p:nvPicPr>
-          <p:cNvPr id="207" name="Google Shape;207;p32"/>
+          <p:cNvPr id="208" name="Google Shape;208;p32"/>
           <p:cNvPicPr preferRelativeResize="0"/>
           <p:nvPr/>
         </p:nvPicPr>
@@ -11473,7 +11512,7 @@
       </p:pic>
       <p:pic>
         <p:nvPicPr>
-          <p:cNvPr id="208" name="Google Shape;208;p32"/>
+          <p:cNvPr id="209" name="Google Shape;209;p32"/>
           <p:cNvPicPr preferRelativeResize="0"/>
           <p:nvPr/>
         </p:nvPicPr>
@@ -11500,7 +11539,7 @@
       </p:pic>
       <p:sp>
         <p:nvSpPr>
-          <p:cNvPr id="209" name="Google Shape;209;p32"/>
+          <p:cNvPr id="210" name="Google Shape;210;p32"/>
           <p:cNvSpPr txBox="1"/>
           <p:nvPr/>
         </p:nvSpPr>
@@ -11576,7 +11615,7 @@
   <p:cSld>
     <p:spTree>
       <p:nvGrpSpPr>
-        <p:cNvPr id="213" name="Shape 213"/>
+        <p:cNvPr id="214" name="Shape 214"/>
         <p:cNvGrpSpPr/>
         <p:nvPr/>
       </p:nvGrpSpPr>
@@ -11590,7 +11629,7 @@
       </p:grpSpPr>
       <p:sp>
         <p:nvSpPr>
-          <p:cNvPr id="214" name="Google Shape;214;p33"/>
+          <p:cNvPr id="215" name="Google Shape;215;p33"/>
           <p:cNvSpPr txBox="1"/>
           <p:nvPr>
             <p:ph type="ctrTitle"/>
@@ -11638,7 +11677,7 @@
       </p:sp>
       <p:cxnSp>
         <p:nvCxnSpPr>
-          <p:cNvPr id="215" name="Google Shape;215;p33"/>
+          <p:cNvPr id="216" name="Google Shape;216;p33"/>
           <p:cNvCxnSpPr/>
           <p:nvPr/>
         </p:nvCxnSpPr>
@@ -11664,7 +11703,7 @@
       </p:cxnSp>
       <p:sp>
         <p:nvSpPr>
-          <p:cNvPr id="216" name="Google Shape;216;p33"/>
+          <p:cNvPr id="217" name="Google Shape;217;p33"/>
           <p:cNvSpPr txBox="1"/>
           <p:nvPr>
             <p:ph idx="12" type="sldNum"/>
@@ -11704,7 +11743,7 @@
       </p:sp>
       <p:sp>
         <p:nvSpPr>
-          <p:cNvPr id="217" name="Google Shape;217;p33"/>
+          <p:cNvPr id="218" name="Google Shape;218;p33"/>
           <p:cNvSpPr txBox="1"/>
           <p:nvPr/>
         </p:nvSpPr>
@@ -11884,7 +11923,7 @@
       </p:sp>
       <p:sp>
         <p:nvSpPr>
-          <p:cNvPr id="218" name="Google Shape;218;p33"/>
+          <p:cNvPr id="219" name="Google Shape;219;p33"/>
           <p:cNvSpPr txBox="1"/>
           <p:nvPr/>
         </p:nvSpPr>
@@ -11960,7 +11999,7 @@
   <p:cSld>
     <p:spTree>
       <p:nvGrpSpPr>
-        <p:cNvPr id="222" name="Shape 222"/>
+        <p:cNvPr id="223" name="Shape 223"/>
         <p:cNvGrpSpPr/>
         <p:nvPr/>
       </p:nvGrpSpPr>
@@ -11974,7 +12013,7 @@
       </p:grpSpPr>
       <p:sp>
         <p:nvSpPr>
-          <p:cNvPr id="223" name="Google Shape;223;p34"/>
+          <p:cNvPr id="224" name="Google Shape;224;p34"/>
           <p:cNvSpPr txBox="1"/>
           <p:nvPr>
             <p:ph type="ctrTitle"/>
@@ -12022,7 +12061,7 @@
       </p:sp>
       <p:cxnSp>
         <p:nvCxnSpPr>
-          <p:cNvPr id="224" name="Google Shape;224;p34"/>
+          <p:cNvPr id="225" name="Google Shape;225;p34"/>
           <p:cNvCxnSpPr/>
           <p:nvPr/>
         </p:nvCxnSpPr>
@@ -12048,7 +12087,7 @@
       </p:cxnSp>
       <p:sp>
         <p:nvSpPr>
-          <p:cNvPr id="225" name="Google Shape;225;p34"/>
+          <p:cNvPr id="226" name="Google Shape;226;p34"/>
           <p:cNvSpPr txBox="1"/>
           <p:nvPr>
             <p:ph idx="12" type="sldNum"/>
@@ -12088,7 +12127,7 @@
       </p:sp>
       <p:sp>
         <p:nvSpPr>
-          <p:cNvPr id="226" name="Google Shape;226;p34"/>
+          <p:cNvPr id="227" name="Google Shape;227;p34"/>
           <p:cNvSpPr txBox="1"/>
           <p:nvPr/>
         </p:nvSpPr>
@@ -12260,7 +12299,7 @@
       </p:sp>
       <p:sp>
         <p:nvSpPr>
-          <p:cNvPr id="227" name="Google Shape;227;p34"/>
+          <p:cNvPr id="228" name="Google Shape;228;p34"/>
           <p:cNvSpPr txBox="1"/>
           <p:nvPr/>
         </p:nvSpPr>
@@ -12325,7 +12364,7 @@
       </p:sp>
       <p:pic>
         <p:nvPicPr>
-          <p:cNvPr id="228" name="Google Shape;228;p34"/>
+          <p:cNvPr id="229" name="Google Shape;229;p34"/>
           <p:cNvPicPr preferRelativeResize="0"/>
           <p:nvPr/>
         </p:nvPicPr>
@@ -12353,7 +12392,7 @@
       </p:pic>
       <p:sp>
         <p:nvSpPr>
-          <p:cNvPr id="229" name="Google Shape;229;p34"/>
+          <p:cNvPr id="230" name="Google Shape;230;p34"/>
           <p:cNvSpPr txBox="1"/>
           <p:nvPr/>
         </p:nvSpPr>
@@ -12410,7 +12449,7 @@
   <p:cSld>
     <p:spTree>
       <p:nvGrpSpPr>
-        <p:cNvPr id="233" name="Shape 233"/>
+        <p:cNvPr id="234" name="Shape 234"/>
         <p:cNvGrpSpPr/>
         <p:nvPr/>
       </p:nvGrpSpPr>
@@ -12424,7 +12463,7 @@
       </p:grpSpPr>
       <p:sp>
         <p:nvSpPr>
-          <p:cNvPr id="234" name="Google Shape;234;p35"/>
+          <p:cNvPr id="235" name="Google Shape;235;p35"/>
           <p:cNvSpPr txBox="1"/>
           <p:nvPr>
             <p:ph type="ctrTitle"/>
@@ -12476,7 +12515,7 @@
       </p:sp>
       <p:cxnSp>
         <p:nvCxnSpPr>
-          <p:cNvPr id="235" name="Google Shape;235;p35"/>
+          <p:cNvPr id="236" name="Google Shape;236;p35"/>
           <p:cNvCxnSpPr/>
           <p:nvPr/>
         </p:nvCxnSpPr>
@@ -12502,7 +12541,7 @@
       </p:cxnSp>
       <p:sp>
         <p:nvSpPr>
-          <p:cNvPr id="236" name="Google Shape;236;p35"/>
+          <p:cNvPr id="237" name="Google Shape;237;p35"/>
           <p:cNvSpPr txBox="1"/>
           <p:nvPr>
             <p:ph idx="12" type="sldNum"/>
@@ -12553,7 +12592,7 @@
   <p:cSld>
     <p:spTree>
       <p:nvGrpSpPr>
-        <p:cNvPr id="240" name="Shape 240"/>
+        <p:cNvPr id="241" name="Shape 241"/>
         <p:cNvGrpSpPr/>
         <p:nvPr/>
       </p:nvGrpSpPr>
@@ -12567,7 +12606,7 @@
       </p:grpSpPr>
       <p:sp>
         <p:nvSpPr>
-          <p:cNvPr id="241" name="Google Shape;241;p36"/>
+          <p:cNvPr id="242" name="Google Shape;242;p36"/>
           <p:cNvSpPr txBox="1"/>
           <p:nvPr>
             <p:ph type="ctrTitle"/>
@@ -12635,7 +12674,7 @@
       </p:sp>
       <p:cxnSp>
         <p:nvCxnSpPr>
-          <p:cNvPr id="242" name="Google Shape;242;p36"/>
+          <p:cNvPr id="243" name="Google Shape;243;p36"/>
           <p:cNvCxnSpPr/>
           <p:nvPr/>
         </p:nvCxnSpPr>
@@ -12661,7 +12700,7 @@
       </p:cxnSp>
       <p:sp>
         <p:nvSpPr>
-          <p:cNvPr id="243" name="Google Shape;243;p36"/>
+          <p:cNvPr id="244" name="Google Shape;244;p36"/>
           <p:cNvSpPr txBox="1"/>
           <p:nvPr>
             <p:ph idx="12" type="sldNum"/>
@@ -12701,7 +12740,7 @@
       </p:sp>
       <p:sp>
         <p:nvSpPr>
-          <p:cNvPr id="244" name="Google Shape;244;p36"/>
+          <p:cNvPr id="245" name="Google Shape;245;p36"/>
           <p:cNvSpPr txBox="1"/>
           <p:nvPr/>
         </p:nvSpPr>
@@ -12742,7 +12781,7 @@
       </p:sp>
       <p:sp>
         <p:nvSpPr>
-          <p:cNvPr id="245" name="Google Shape;245;p36"/>
+          <p:cNvPr id="246" name="Google Shape;246;p36"/>
           <p:cNvSpPr txBox="1"/>
           <p:nvPr/>
         </p:nvSpPr>
@@ -12775,12 +12814,17 @@
               <a:spcAft>
                 <a:spcPts val="0"/>
               </a:spcAft>
+              <a:buClr>
+                <a:schemeClr val="dk1"/>
+              </a:buClr>
+              <a:buSzPts val="1100"/>
+              <a:buFont typeface="Arial"/>
               <a:buNone/>
             </a:pPr>
             <a:r>
               <a:rPr lang="en" sz="1800">
                 <a:solidFill>
-                  <a:srgbClr val="3C78D8"/>
+                  <a:srgbClr val="434343"/>
                 </a:solidFill>
               </a:rPr>
               <a:t>High Performance Computer</a:t>
@@ -12793,10 +12837,17 @@
               </a:rPr>
             </a:br>
             <a:r>
-              <a:rPr lang="en" sz="1200">
+              <a:rPr lang="en" sz="1200" u="sng">
                 <a:solidFill>
-                  <a:schemeClr val="dk1"/>
+                  <a:srgbClr val="3C78D8"/>
                 </a:solidFill>
+                <a:hlinkClick r:id="rId3">
+                  <a:extLst>
+                    <a:ext uri="{A12FA001-AC4F-418D-AE19-62706E023703}">
+                      <ahyp:hlinkClr val="tx"/>
+                    </a:ext>
+                  </a:extLst>
+                </a:hlinkClick>
               </a:rPr>
               <a:t>https://www.scripps.edu/science-and-medicine/cores-and-services/high-performance-computing/index.html</a:t>
             </a:r>
@@ -12817,6 +12868,11 @@
               <a:spcAft>
                 <a:spcPts val="0"/>
               </a:spcAft>
+              <a:buClr>
+                <a:schemeClr val="dk1"/>
+              </a:buClr>
+              <a:buSzPts val="1100"/>
+              <a:buFont typeface="Arial"/>
               <a:buNone/>
             </a:pPr>
             <a:r>
@@ -12824,7 +12880,7 @@
             </a:r>
             <a:endParaRPr sz="1200">
               <a:solidFill>
-                <a:srgbClr val="595959"/>
+                <a:srgbClr val="434343"/>
               </a:solidFill>
             </a:endParaRPr>
           </a:p>
@@ -12844,9 +12900,9 @@
             <a:r>
               <a:t/>
             </a:r>
-            <a:endParaRPr sz="1200">
+            <a:endParaRPr sz="1800">
               <a:solidFill>
-                <a:srgbClr val="595959"/>
+                <a:srgbClr val="3C78D8"/>
               </a:solidFill>
             </a:endParaRPr>
           </a:p>
@@ -12865,7 +12921,7 @@
   <p:cSld>
     <p:spTree>
       <p:nvGrpSpPr>
-        <p:cNvPr id="249" name="Shape 249"/>
+        <p:cNvPr id="250" name="Shape 250"/>
         <p:cNvGrpSpPr/>
         <p:nvPr/>
       </p:nvGrpSpPr>
@@ -12879,7 +12935,7 @@
       </p:grpSpPr>
       <p:sp>
         <p:nvSpPr>
-          <p:cNvPr id="250" name="Google Shape;250;p37"/>
+          <p:cNvPr id="251" name="Google Shape;251;p37"/>
           <p:cNvSpPr txBox="1"/>
           <p:nvPr>
             <p:ph type="ctrTitle"/>
@@ -12947,7 +13003,7 @@
       </p:sp>
       <p:cxnSp>
         <p:nvCxnSpPr>
-          <p:cNvPr id="251" name="Google Shape;251;p37"/>
+          <p:cNvPr id="252" name="Google Shape;252;p37"/>
           <p:cNvCxnSpPr/>
           <p:nvPr/>
         </p:nvCxnSpPr>
@@ -12973,7 +13029,7 @@
       </p:cxnSp>
       <p:sp>
         <p:nvSpPr>
-          <p:cNvPr id="252" name="Google Shape;252;p37"/>
+          <p:cNvPr id="253" name="Google Shape;253;p37"/>
           <p:cNvSpPr txBox="1"/>
           <p:nvPr>
             <p:ph idx="12" type="sldNum"/>
@@ -13013,7 +13069,7 @@
       </p:sp>
       <p:sp>
         <p:nvSpPr>
-          <p:cNvPr id="253" name="Google Shape;253;p37"/>
+          <p:cNvPr id="254" name="Google Shape;254;p37"/>
           <p:cNvSpPr txBox="1"/>
           <p:nvPr/>
         </p:nvSpPr>
@@ -13054,7 +13110,7 @@
       </p:sp>
       <p:sp>
         <p:nvSpPr>
-          <p:cNvPr id="254" name="Google Shape;254;p37"/>
+          <p:cNvPr id="255" name="Google Shape;255;p37"/>
           <p:cNvSpPr txBox="1"/>
           <p:nvPr/>
         </p:nvSpPr>
@@ -13255,7 +13311,7 @@
   <p:cSld>
     <p:spTree>
       <p:nvGrpSpPr>
-        <p:cNvPr id="258" name="Shape 258"/>
+        <p:cNvPr id="259" name="Shape 259"/>
         <p:cNvGrpSpPr/>
         <p:nvPr/>
       </p:nvGrpSpPr>
@@ -13269,7 +13325,7 @@
       </p:grpSpPr>
       <p:sp>
         <p:nvSpPr>
-          <p:cNvPr id="259" name="Google Shape;259;p38"/>
+          <p:cNvPr id="260" name="Google Shape;260;p38"/>
           <p:cNvSpPr/>
           <p:nvPr/>
         </p:nvSpPr>
@@ -13328,7 +13384,7 @@
       </p:sp>
       <p:sp>
         <p:nvSpPr>
-          <p:cNvPr id="260" name="Google Shape;260;p38"/>
+          <p:cNvPr id="261" name="Google Shape;261;p38"/>
           <p:cNvSpPr txBox="1"/>
           <p:nvPr>
             <p:ph type="title"/>
@@ -13447,7 +13503,7 @@
       </p:sp>
       <p:sp>
         <p:nvSpPr>
-          <p:cNvPr id="261" name="Google Shape;261;p38"/>
+          <p:cNvPr id="262" name="Google Shape;262;p38"/>
           <p:cNvSpPr txBox="1"/>
           <p:nvPr>
             <p:ph idx="12" type="sldNum"/>
@@ -13487,7 +13543,7 @@
       </p:sp>
       <p:pic>
         <p:nvPicPr>
-          <p:cNvPr id="262" name="Google Shape;262;p38"/>
+          <p:cNvPr id="263" name="Google Shape;263;p38"/>
           <p:cNvPicPr preferRelativeResize="0"/>
           <p:nvPr/>
         </p:nvPicPr>
@@ -13525,7 +13581,7 @@
   <p:cSld>
     <p:spTree>
       <p:nvGrpSpPr>
-        <p:cNvPr id="266" name="Shape 266"/>
+        <p:cNvPr id="267" name="Shape 267"/>
         <p:cNvGrpSpPr/>
         <p:nvPr/>
       </p:nvGrpSpPr>
@@ -13539,7 +13595,7 @@
       </p:grpSpPr>
       <p:sp>
         <p:nvSpPr>
-          <p:cNvPr id="267" name="Google Shape;267;p39"/>
+          <p:cNvPr id="268" name="Google Shape;268;p39"/>
           <p:cNvSpPr/>
           <p:nvPr/>
         </p:nvSpPr>
@@ -13598,7 +13654,7 @@
       </p:sp>
       <p:sp>
         <p:nvSpPr>
-          <p:cNvPr id="268" name="Google Shape;268;p39"/>
+          <p:cNvPr id="269" name="Google Shape;269;p39"/>
           <p:cNvSpPr txBox="1"/>
           <p:nvPr>
             <p:ph type="title"/>
@@ -13848,7 +13904,7 @@
       </p:sp>
       <p:sp>
         <p:nvSpPr>
-          <p:cNvPr id="269" name="Google Shape;269;p39"/>
+          <p:cNvPr id="270" name="Google Shape;270;p39"/>
           <p:cNvSpPr txBox="1"/>
           <p:nvPr>
             <p:ph idx="12" type="sldNum"/>
@@ -13899,7 +13955,7 @@
   <p:cSld>
     <p:spTree>
       <p:nvGrpSpPr>
-        <p:cNvPr id="273" name="Shape 273"/>
+        <p:cNvPr id="274" name="Shape 274"/>
         <p:cNvGrpSpPr/>
         <p:nvPr/>
       </p:nvGrpSpPr>
@@ -13913,7 +13969,7 @@
       </p:grpSpPr>
       <p:sp>
         <p:nvSpPr>
-          <p:cNvPr id="274" name="Google Shape;274;p40"/>
+          <p:cNvPr id="275" name="Google Shape;275;p40"/>
           <p:cNvSpPr/>
           <p:nvPr/>
         </p:nvSpPr>
@@ -13972,7 +14028,7 @@
       </p:sp>
       <p:sp>
         <p:nvSpPr>
-          <p:cNvPr id="275" name="Google Shape;275;p40"/>
+          <p:cNvPr id="276" name="Google Shape;276;p40"/>
           <p:cNvSpPr txBox="1"/>
           <p:nvPr>
             <p:ph type="title"/>
@@ -14215,7 +14271,7 @@
       </p:sp>
       <p:sp>
         <p:nvSpPr>
-          <p:cNvPr id="276" name="Google Shape;276;p40"/>
+          <p:cNvPr id="277" name="Google Shape;277;p40"/>
           <p:cNvSpPr txBox="1"/>
           <p:nvPr>
             <p:ph idx="12" type="sldNum"/>
@@ -16553,6 +16609,147 @@
           </a:p>
         </p:txBody>
       </p:sp>
+      <p:sp>
+        <p:nvSpPr>
+          <p:cNvPr id="118" name="Google Shape;118;p21"/>
+          <p:cNvSpPr txBox="1"/>
+          <p:nvPr/>
+        </p:nvSpPr>
+        <p:spPr>
+          <a:xfrm>
+            <a:off x="311700" y="953163"/>
+            <a:ext cx="8520600" cy="3416400"/>
+          </a:xfrm>
+          <a:prstGeom prst="rect">
+            <a:avLst/>
+          </a:prstGeom>
+          <a:noFill/>
+          <a:ln>
+            <a:noFill/>
+          </a:ln>
+        </p:spPr>
+        <p:txBody>
+          <a:bodyPr anchorCtr="0" anchor="t" bIns="91425" lIns="91425" spcFirstLastPara="1" rIns="91425" wrap="square" tIns="91425">
+            <a:noAutofit/>
+          </a:bodyPr>
+          <a:lstStyle/>
+          <a:p>
+            <a:pPr indent="-342900" lvl="0" marL="457200" rtl="0" algn="l">
+              <a:lnSpc>
+                <a:spcPct val="115000"/>
+              </a:lnSpc>
+              <a:spcBef>
+                <a:spcPts val="0"/>
+              </a:spcBef>
+              <a:spcAft>
+                <a:spcPts val="0"/>
+              </a:spcAft>
+              <a:buClr>
+                <a:srgbClr val="434343"/>
+              </a:buClr>
+              <a:buSzPts val="1800"/>
+              <a:buChar char="●"/>
+            </a:pPr>
+            <a:r>
+              <a:rPr lang="en" sz="1800">
+                <a:solidFill>
+                  <a:srgbClr val="434343"/>
+                </a:solidFill>
+              </a:rPr>
+              <a:t>Runs the code you wrote again and again until you let it know to stop</a:t>
+            </a:r>
+            <a:endParaRPr sz="1800">
+              <a:solidFill>
+                <a:srgbClr val="434343"/>
+              </a:solidFill>
+            </a:endParaRPr>
+          </a:p>
+          <a:p>
+            <a:pPr indent="-342900" lvl="0" marL="457200" rtl="0" algn="l">
+              <a:lnSpc>
+                <a:spcPct val="115000"/>
+              </a:lnSpc>
+              <a:spcBef>
+                <a:spcPts val="0"/>
+              </a:spcBef>
+              <a:spcAft>
+                <a:spcPts val="0"/>
+              </a:spcAft>
+              <a:buClr>
+                <a:srgbClr val="434343"/>
+              </a:buClr>
+              <a:buSzPts val="1800"/>
+              <a:buChar char="●"/>
+            </a:pPr>
+            <a:r>
+              <a:rPr lang="en" sz="1800">
+                <a:solidFill>
+                  <a:srgbClr val="434343"/>
+                </a:solidFill>
+              </a:rPr>
+              <a:t>Loops can assist navigating a larger task where there’s either/or, true/false etc</a:t>
+            </a:r>
+            <a:endParaRPr sz="1800">
+              <a:solidFill>
+                <a:srgbClr val="434343"/>
+              </a:solidFill>
+            </a:endParaRPr>
+          </a:p>
+          <a:p>
+            <a:pPr indent="-342900" lvl="0" marL="457200" rtl="0" algn="l">
+              <a:lnSpc>
+                <a:spcPct val="115000"/>
+              </a:lnSpc>
+              <a:spcBef>
+                <a:spcPts val="0"/>
+              </a:spcBef>
+              <a:spcAft>
+                <a:spcPts val="0"/>
+              </a:spcAft>
+              <a:buClr>
+                <a:srgbClr val="434343"/>
+              </a:buClr>
+              <a:buSzPts val="1800"/>
+              <a:buChar char="●"/>
+            </a:pPr>
+            <a:r>
+              <a:rPr lang="en" sz="1800">
+                <a:solidFill>
+                  <a:srgbClr val="434343"/>
+                </a:solidFill>
+              </a:rPr>
+              <a:t>Loop can do commands repeatedly instead of writing out again</a:t>
+            </a:r>
+            <a:endParaRPr sz="1800">
+              <a:solidFill>
+                <a:srgbClr val="434343"/>
+              </a:solidFill>
+            </a:endParaRPr>
+          </a:p>
+          <a:p>
+            <a:pPr indent="0" lvl="0" marL="0" rtl="0" algn="l">
+              <a:lnSpc>
+                <a:spcPct val="115000"/>
+              </a:lnSpc>
+              <a:spcBef>
+                <a:spcPts val="0"/>
+              </a:spcBef>
+              <a:spcAft>
+                <a:spcPts val="0"/>
+              </a:spcAft>
+              <a:buNone/>
+            </a:pPr>
+            <a:r>
+              <a:t/>
+            </a:r>
+            <a:endParaRPr sz="1200">
+              <a:solidFill>
+                <a:srgbClr val="595959"/>
+              </a:solidFill>
+            </a:endParaRPr>
+          </a:p>
+        </p:txBody>
+      </p:sp>
     </p:spTree>
   </p:cSld>
   <p:clrMapOvr>
@@ -16562,6 +16759,285 @@
 </file>
 
 <file path=ppt/theme/theme1.xml><?xml version="1.0" encoding="utf-8"?>
+<a:theme xmlns:a="http://schemas.openxmlformats.org/drawingml/2006/main" xmlns:r="http://schemas.openxmlformats.org/officeDocument/2006/relationships">
+  <a:themeElements>
+    <a:clrScheme name="Default">
+      <a:dk1>
+        <a:srgbClr val="000000"/>
+      </a:dk1>
+      <a:lt1>
+        <a:srgbClr val="FFFFFF"/>
+      </a:lt1>
+      <a:dk2>
+        <a:srgbClr val="158158"/>
+      </a:dk2>
+      <a:lt2>
+        <a:srgbClr val="F3F3F3"/>
+      </a:lt2>
+      <a:accent1>
+        <a:srgbClr val="058DC7"/>
+      </a:accent1>
+      <a:accent2>
+        <a:srgbClr val="50B432"/>
+      </a:accent2>
+      <a:accent3>
+        <a:srgbClr val="ED561B"/>
+      </a:accent3>
+      <a:accent4>
+        <a:srgbClr val="EDEF00"/>
+      </a:accent4>
+      <a:accent5>
+        <a:srgbClr val="24CBE5"/>
+      </a:accent5>
+      <a:accent6>
+        <a:srgbClr val="64E572"/>
+      </a:accent6>
+      <a:hlink>
+        <a:srgbClr val="2200CC"/>
+      </a:hlink>
+      <a:folHlink>
+        <a:srgbClr val="551A8B"/>
+      </a:folHlink>
+    </a:clrScheme>
+    <a:fontScheme name="Office">
+      <a:majorFont>
+        <a:latin typeface="Arial"/>
+        <a:ea typeface=""/>
+        <a:cs typeface=""/>
+        <a:font script="Jpan" typeface="ＭＳ Ｐゴシック"/>
+        <a:font script="Hang" typeface="맑은 고딕"/>
+        <a:font script="Hans" typeface="宋体"/>
+        <a:font script="Hant" typeface="新細明體"/>
+        <a:font script="Arab" typeface="Times New Roman"/>
+        <a:font script="Hebr" typeface="Times New Roman"/>
+        <a:font script="Thai" typeface="Angsana New"/>
+        <a:font script="Ethi" typeface="Nyala"/>
+        <a:font script="Beng" typeface="Vrinda"/>
+        <a:font script="Gujr" typeface="Shruti"/>
+        <a:font script="Khmr" typeface="MoolBoran"/>
+        <a:font script="Knda" typeface="Tunga"/>
+        <a:font script="Guru" typeface="Raavi"/>
+        <a:font script="Cans" typeface="Euphemia"/>
+        <a:font script="Cher" typeface="Plantagenet Cherokee"/>
+        <a:font script="Yiii" typeface="Microsoft Yi Baiti"/>
+        <a:font script="Tibt" typeface="Microsoft Himalaya"/>
+        <a:font script="Thaa" typeface="MV Boli"/>
+        <a:font script="Deva" typeface="Mangal"/>
+        <a:font script="Telu" typeface="Gautami"/>
+        <a:font script="Taml" typeface="Latha"/>
+        <a:font script="Syrc" typeface="Estrangelo Edessa"/>
+        <a:font script="Orya" typeface="Kalinga"/>
+        <a:font script="Mlym" typeface="Kartika"/>
+        <a:font script="Laoo" typeface="DokChampa"/>
+        <a:font script="Sinh" typeface="Iskoola Pota"/>
+        <a:font script="Mong" typeface="Mongolian Baiti"/>
+        <a:font script="Viet" typeface="Times New Roman"/>
+        <a:font script="Uigh" typeface="Microsoft Uighur"/>
+        <a:font script="Geor" typeface="Sylfaen"/>
+      </a:majorFont>
+      <a:minorFont>
+        <a:latin typeface="Arial"/>
+        <a:ea typeface=""/>
+        <a:cs typeface=""/>
+        <a:font script="Jpan" typeface="ＭＳ Ｐゴシック"/>
+        <a:font script="Hang" typeface="맑은 고딕"/>
+        <a:font script="Hans" typeface="宋体"/>
+        <a:font script="Hant" typeface="新細明體"/>
+        <a:font script="Arab" typeface="Arial"/>
+        <a:font script="Hebr" typeface="Arial"/>
+        <a:font script="Thai" typeface="Cordia New"/>
+        <a:font script="Ethi" typeface="Nyala"/>
+        <a:font script="Beng" typeface="Vrinda"/>
+        <a:font script="Gujr" typeface="Shruti"/>
+        <a:font script="Khmr" typeface="DaunPenh"/>
+        <a:font script="Knda" typeface="Tunga"/>
+        <a:font script="Guru" typeface="Raavi"/>
+        <a:font script="Cans" typeface="Euphemia"/>
+        <a:font script="Cher" typeface="Plantagenet Cherokee"/>
+        <a:font script="Yiii" typeface="Microsoft Yi Baiti"/>
+        <a:font script="Tibt" typeface="Microsoft Himalaya"/>
+        <a:font script="Thaa" typeface="MV Boli"/>
+        <a:font script="Deva" typeface="Mangal"/>
+        <a:font script="Telu" typeface="Gautami"/>
+        <a:font script="Taml" typeface="Latha"/>
+        <a:font script="Syrc" typeface="Estrangelo Edessa"/>
+        <a:font script="Orya" typeface="Kalinga"/>
+        <a:font script="Mlym" typeface="Kartika"/>
+        <a:font script="Laoo" typeface="DokChampa"/>
+        <a:font script="Sinh" typeface="Iskoola Pota"/>
+        <a:font script="Mong" typeface="Mongolian Baiti"/>
+        <a:font script="Viet" typeface="Arial"/>
+        <a:font script="Uigh" typeface="Microsoft Uighur"/>
+        <a:font script="Geor" typeface="Sylfaen"/>
+      </a:minorFont>
+    </a:fontScheme>
+    <a:fmtScheme name="Office">
+      <a:fillStyleLst>
+        <a:solidFill>
+          <a:schemeClr val="phClr"/>
+        </a:solidFill>
+        <a:gradFill rotWithShape="1">
+          <a:gsLst>
+            <a:gs pos="0">
+              <a:schemeClr val="phClr">
+                <a:tint val="50000"/>
+                <a:satMod val="300000"/>
+              </a:schemeClr>
+            </a:gs>
+            <a:gs pos="35000">
+              <a:schemeClr val="phClr">
+                <a:tint val="37000"/>
+                <a:satMod val="300000"/>
+              </a:schemeClr>
+            </a:gs>
+            <a:gs pos="100000">
+              <a:schemeClr val="phClr">
+                <a:tint val="15000"/>
+                <a:satMod val="350000"/>
+              </a:schemeClr>
+            </a:gs>
+          </a:gsLst>
+          <a:lin ang="16200000" scaled="1"/>
+        </a:gradFill>
+        <a:gradFill rotWithShape="1">
+          <a:gsLst>
+            <a:gs pos="0">
+              <a:schemeClr val="phClr">
+                <a:tint val="100000"/>
+                <a:shade val="100000"/>
+                <a:satMod val="130000"/>
+              </a:schemeClr>
+            </a:gs>
+            <a:gs pos="100000">
+              <a:schemeClr val="phClr">
+                <a:tint val="50000"/>
+                <a:shade val="100000"/>
+                <a:satMod val="350000"/>
+              </a:schemeClr>
+            </a:gs>
+          </a:gsLst>
+          <a:lin ang="16200000" scaled="0"/>
+        </a:gradFill>
+      </a:fillStyleLst>
+      <a:lnStyleLst>
+        <a:ln w="9525" cap="flat" cmpd="sng" algn="ctr">
+          <a:solidFill>
+            <a:schemeClr val="phClr">
+              <a:shade val="95000"/>
+              <a:satMod val="105000"/>
+            </a:schemeClr>
+          </a:solidFill>
+          <a:prstDash val="solid"/>
+        </a:ln>
+        <a:ln w="25400" cap="flat" cmpd="sng" algn="ctr">
+          <a:solidFill>
+            <a:schemeClr val="phClr"/>
+          </a:solidFill>
+          <a:prstDash val="solid"/>
+        </a:ln>
+        <a:ln w="38100" cap="flat" cmpd="sng" algn="ctr">
+          <a:solidFill>
+            <a:schemeClr val="phClr"/>
+          </a:solidFill>
+          <a:prstDash val="solid"/>
+        </a:ln>
+      </a:lnStyleLst>
+      <a:effectStyleLst>
+        <a:effectStyle>
+          <a:effectLst>
+            <a:outerShdw blurRad="40000" dist="20000" dir="5400000" rotWithShape="0">
+              <a:srgbClr val="000000">
+                <a:alpha val="38000"/>
+              </a:srgbClr>
+            </a:outerShdw>
+          </a:effectLst>
+        </a:effectStyle>
+        <a:effectStyle>
+          <a:effectLst>
+            <a:outerShdw blurRad="40000" dist="23000" dir="5400000" rotWithShape="0">
+              <a:srgbClr val="000000">
+                <a:alpha val="35000"/>
+              </a:srgbClr>
+            </a:outerShdw>
+          </a:effectLst>
+        </a:effectStyle>
+        <a:effectStyle>
+          <a:effectLst>
+            <a:outerShdw blurRad="40000" dist="23000" dir="5400000" rotWithShape="0">
+              <a:srgbClr val="000000">
+                <a:alpha val="35000"/>
+              </a:srgbClr>
+            </a:outerShdw>
+          </a:effectLst>
+          <a:scene3d>
+            <a:camera prst="orthographicFront">
+              <a:rot lat="0" lon="0" rev="0"/>
+            </a:camera>
+            <a:lightRig rig="threePt" dir="t">
+              <a:rot lat="0" lon="0" rev="1200000"/>
+            </a:lightRig>
+          </a:scene3d>
+          <a:sp3d>
+            <a:bevelT w="63500" h="25400"/>
+          </a:sp3d>
+        </a:effectStyle>
+      </a:effectStyleLst>
+      <a:bgFillStyleLst>
+        <a:solidFill>
+          <a:schemeClr val="phClr"/>
+        </a:solidFill>
+        <a:gradFill rotWithShape="1">
+          <a:gsLst>
+            <a:gs pos="0">
+              <a:schemeClr val="phClr">
+                <a:tint val="40000"/>
+                <a:satMod val="350000"/>
+              </a:schemeClr>
+            </a:gs>
+            <a:gs pos="40000">
+              <a:schemeClr val="phClr">
+                <a:tint val="45000"/>
+                <a:shade val="99000"/>
+                <a:satMod val="350000"/>
+              </a:schemeClr>
+            </a:gs>
+            <a:gs pos="100000">
+              <a:schemeClr val="phClr">
+                <a:shade val="20000"/>
+                <a:satMod val="255000"/>
+              </a:schemeClr>
+            </a:gs>
+          </a:gsLst>
+          <a:path path="circle">
+            <a:fillToRect l="50000" t="-80000" r="50000" b="180000"/>
+          </a:path>
+        </a:gradFill>
+        <a:gradFill rotWithShape="1">
+          <a:gsLst>
+            <a:gs pos="0">
+              <a:schemeClr val="phClr">
+                <a:tint val="80000"/>
+                <a:satMod val="300000"/>
+              </a:schemeClr>
+            </a:gs>
+            <a:gs pos="100000">
+              <a:schemeClr val="phClr">
+                <a:shade val="30000"/>
+                <a:satMod val="200000"/>
+              </a:schemeClr>
+            </a:gs>
+          </a:gsLst>
+          <a:path path="circle">
+            <a:fillToRect l="50000" t="50000" r="50000" b="50000"/>
+          </a:path>
+        </a:gradFill>
+      </a:bgFillStyleLst>
+    </a:fmtScheme>
+  </a:themeElements>
+</a:theme>
+</file>
+
+<file path=ppt/theme/theme2.xml><?xml version="1.0" encoding="utf-8"?>
 <a:theme xmlns:a="http://schemas.openxmlformats.org/drawingml/2006/main" xmlns:r="http://schemas.openxmlformats.org/officeDocument/2006/relationships" name="Simple Light">
   <a:themeElements>
     <a:clrScheme name="Simple Light">
@@ -16838,283 +17314,4 @@
     </a:fmtScheme>
   </a:themeElements>
 </a:theme>
-</file>
-
-<file path=ppt/theme/theme2.xml><?xml version="1.0" encoding="utf-8"?>
-<a:theme xmlns:a="http://schemas.openxmlformats.org/drawingml/2006/main" xmlns:r="http://schemas.openxmlformats.org/officeDocument/2006/relationships">
-  <a:themeElements>
-    <a:clrScheme name="Default">
-      <a:dk1>
-        <a:srgbClr val="000000"/>
-      </a:dk1>
-      <a:lt1>
-        <a:srgbClr val="FFFFFF"/>
-      </a:lt1>
-      <a:dk2>
-        <a:srgbClr val="158158"/>
-      </a:dk2>
-      <a:lt2>
-        <a:srgbClr val="F3F3F3"/>
-      </a:lt2>
-      <a:accent1>
-        <a:srgbClr val="058DC7"/>
-      </a:accent1>
-      <a:accent2>
-        <a:srgbClr val="50B432"/>
-      </a:accent2>
-      <a:accent3>
-        <a:srgbClr val="ED561B"/>
-      </a:accent3>
-      <a:accent4>
-        <a:srgbClr val="EDEF00"/>
-      </a:accent4>
-      <a:accent5>
-        <a:srgbClr val="24CBE5"/>
-      </a:accent5>
-      <a:accent6>
-        <a:srgbClr val="64E572"/>
-      </a:accent6>
-      <a:hlink>
-        <a:srgbClr val="2200CC"/>
-      </a:hlink>
-      <a:folHlink>
-        <a:srgbClr val="551A8B"/>
-      </a:folHlink>
-    </a:clrScheme>
-    <a:fontScheme name="Office">
-      <a:majorFont>
-        <a:latin typeface="Arial"/>
-        <a:ea typeface=""/>
-        <a:cs typeface=""/>
-        <a:font script="Jpan" typeface="ＭＳ Ｐゴシック"/>
-        <a:font script="Hang" typeface="맑은 고딕"/>
-        <a:font script="Hans" typeface="宋体"/>
-        <a:font script="Hant" typeface="新細明體"/>
-        <a:font script="Arab" typeface="Times New Roman"/>
-        <a:font script="Hebr" typeface="Times New Roman"/>
-        <a:font script="Thai" typeface="Angsana New"/>
-        <a:font script="Ethi" typeface="Nyala"/>
-        <a:font script="Beng" typeface="Vrinda"/>
-        <a:font script="Gujr" typeface="Shruti"/>
-        <a:font script="Khmr" typeface="MoolBoran"/>
-        <a:font script="Knda" typeface="Tunga"/>
-        <a:font script="Guru" typeface="Raavi"/>
-        <a:font script="Cans" typeface="Euphemia"/>
-        <a:font script="Cher" typeface="Plantagenet Cherokee"/>
-        <a:font script="Yiii" typeface="Microsoft Yi Baiti"/>
-        <a:font script="Tibt" typeface="Microsoft Himalaya"/>
-        <a:font script="Thaa" typeface="MV Boli"/>
-        <a:font script="Deva" typeface="Mangal"/>
-        <a:font script="Telu" typeface="Gautami"/>
-        <a:font script="Taml" typeface="Latha"/>
-        <a:font script="Syrc" typeface="Estrangelo Edessa"/>
-        <a:font script="Orya" typeface="Kalinga"/>
-        <a:font script="Mlym" typeface="Kartika"/>
-        <a:font script="Laoo" typeface="DokChampa"/>
-        <a:font script="Sinh" typeface="Iskoola Pota"/>
-        <a:font script="Mong" typeface="Mongolian Baiti"/>
-        <a:font script="Viet" typeface="Times New Roman"/>
-        <a:font script="Uigh" typeface="Microsoft Uighur"/>
-        <a:font script="Geor" typeface="Sylfaen"/>
-      </a:majorFont>
-      <a:minorFont>
-        <a:latin typeface="Arial"/>
-        <a:ea typeface=""/>
-        <a:cs typeface=""/>
-        <a:font script="Jpan" typeface="ＭＳ Ｐゴシック"/>
-        <a:font script="Hang" typeface="맑은 고딕"/>
-        <a:font script="Hans" typeface="宋体"/>
-        <a:font script="Hant" typeface="新細明體"/>
-        <a:font script="Arab" typeface="Arial"/>
-        <a:font script="Hebr" typeface="Arial"/>
-        <a:font script="Thai" typeface="Cordia New"/>
-        <a:font script="Ethi" typeface="Nyala"/>
-        <a:font script="Beng" typeface="Vrinda"/>
-        <a:font script="Gujr" typeface="Shruti"/>
-        <a:font script="Khmr" typeface="DaunPenh"/>
-        <a:font script="Knda" typeface="Tunga"/>
-        <a:font script="Guru" typeface="Raavi"/>
-        <a:font script="Cans" typeface="Euphemia"/>
-        <a:font script="Cher" typeface="Plantagenet Cherokee"/>
-        <a:font script="Yiii" typeface="Microsoft Yi Baiti"/>
-        <a:font script="Tibt" typeface="Microsoft Himalaya"/>
-        <a:font script="Thaa" typeface="MV Boli"/>
-        <a:font script="Deva" typeface="Mangal"/>
-        <a:font script="Telu" typeface="Gautami"/>
-        <a:font script="Taml" typeface="Latha"/>
-        <a:font script="Syrc" typeface="Estrangelo Edessa"/>
-        <a:font script="Orya" typeface="Kalinga"/>
-        <a:font script="Mlym" typeface="Kartika"/>
-        <a:font script="Laoo" typeface="DokChampa"/>
-        <a:font script="Sinh" typeface="Iskoola Pota"/>
-        <a:font script="Mong" typeface="Mongolian Baiti"/>
-        <a:font script="Viet" typeface="Arial"/>
-        <a:font script="Uigh" typeface="Microsoft Uighur"/>
-        <a:font script="Geor" typeface="Sylfaen"/>
-      </a:minorFont>
-    </a:fontScheme>
-    <a:fmtScheme name="Office">
-      <a:fillStyleLst>
-        <a:solidFill>
-          <a:schemeClr val="phClr"/>
-        </a:solidFill>
-        <a:gradFill rotWithShape="1">
-          <a:gsLst>
-            <a:gs pos="0">
-              <a:schemeClr val="phClr">
-                <a:tint val="50000"/>
-                <a:satMod val="300000"/>
-              </a:schemeClr>
-            </a:gs>
-            <a:gs pos="35000">
-              <a:schemeClr val="phClr">
-                <a:tint val="37000"/>
-                <a:satMod val="300000"/>
-              </a:schemeClr>
-            </a:gs>
-            <a:gs pos="100000">
-              <a:schemeClr val="phClr">
-                <a:tint val="15000"/>
-                <a:satMod val="350000"/>
-              </a:schemeClr>
-            </a:gs>
-          </a:gsLst>
-          <a:lin ang="16200000" scaled="1"/>
-        </a:gradFill>
-        <a:gradFill rotWithShape="1">
-          <a:gsLst>
-            <a:gs pos="0">
-              <a:schemeClr val="phClr">
-                <a:tint val="100000"/>
-                <a:shade val="100000"/>
-                <a:satMod val="130000"/>
-              </a:schemeClr>
-            </a:gs>
-            <a:gs pos="100000">
-              <a:schemeClr val="phClr">
-                <a:tint val="50000"/>
-                <a:shade val="100000"/>
-                <a:satMod val="350000"/>
-              </a:schemeClr>
-            </a:gs>
-          </a:gsLst>
-          <a:lin ang="16200000" scaled="0"/>
-        </a:gradFill>
-      </a:fillStyleLst>
-      <a:lnStyleLst>
-        <a:ln w="9525" cap="flat" cmpd="sng" algn="ctr">
-          <a:solidFill>
-            <a:schemeClr val="phClr">
-              <a:shade val="95000"/>
-              <a:satMod val="105000"/>
-            </a:schemeClr>
-          </a:solidFill>
-          <a:prstDash val="solid"/>
-        </a:ln>
-        <a:ln w="25400" cap="flat" cmpd="sng" algn="ctr">
-          <a:solidFill>
-            <a:schemeClr val="phClr"/>
-          </a:solidFill>
-          <a:prstDash val="solid"/>
-        </a:ln>
-        <a:ln w="38100" cap="flat" cmpd="sng" algn="ctr">
-          <a:solidFill>
-            <a:schemeClr val="phClr"/>
-          </a:solidFill>
-          <a:prstDash val="solid"/>
-        </a:ln>
-      </a:lnStyleLst>
-      <a:effectStyleLst>
-        <a:effectStyle>
-          <a:effectLst>
-            <a:outerShdw blurRad="40000" dist="20000" dir="5400000" rotWithShape="0">
-              <a:srgbClr val="000000">
-                <a:alpha val="38000"/>
-              </a:srgbClr>
-            </a:outerShdw>
-          </a:effectLst>
-        </a:effectStyle>
-        <a:effectStyle>
-          <a:effectLst>
-            <a:outerShdw blurRad="40000" dist="23000" dir="5400000" rotWithShape="0">
-              <a:srgbClr val="000000">
-                <a:alpha val="35000"/>
-              </a:srgbClr>
-            </a:outerShdw>
-          </a:effectLst>
-        </a:effectStyle>
-        <a:effectStyle>
-          <a:effectLst>
-            <a:outerShdw blurRad="40000" dist="23000" dir="5400000" rotWithShape="0">
-              <a:srgbClr val="000000">
-                <a:alpha val="35000"/>
-              </a:srgbClr>
-            </a:outerShdw>
-          </a:effectLst>
-          <a:scene3d>
-            <a:camera prst="orthographicFront">
-              <a:rot lat="0" lon="0" rev="0"/>
-            </a:camera>
-            <a:lightRig rig="threePt" dir="t">
-              <a:rot lat="0" lon="0" rev="1200000"/>
-            </a:lightRig>
-          </a:scene3d>
-          <a:sp3d>
-            <a:bevelT w="63500" h="25400"/>
-          </a:sp3d>
-        </a:effectStyle>
-      </a:effectStyleLst>
-      <a:bgFillStyleLst>
-        <a:solidFill>
-          <a:schemeClr val="phClr"/>
-        </a:solidFill>
-        <a:gradFill rotWithShape="1">
-          <a:gsLst>
-            <a:gs pos="0">
-              <a:schemeClr val="phClr">
-                <a:tint val="40000"/>
-                <a:satMod val="350000"/>
-              </a:schemeClr>
-            </a:gs>
-            <a:gs pos="40000">
-              <a:schemeClr val="phClr">
-                <a:tint val="45000"/>
-                <a:shade val="99000"/>
-                <a:satMod val="350000"/>
-              </a:schemeClr>
-            </a:gs>
-            <a:gs pos="100000">
-              <a:schemeClr val="phClr">
-                <a:shade val="20000"/>
-                <a:satMod val="255000"/>
-              </a:schemeClr>
-            </a:gs>
-          </a:gsLst>
-          <a:path path="circle">
-            <a:fillToRect l="50000" t="-80000" r="50000" b="180000"/>
-          </a:path>
-        </a:gradFill>
-        <a:gradFill rotWithShape="1">
-          <a:gsLst>
-            <a:gs pos="0">
-              <a:schemeClr val="phClr">
-                <a:tint val="80000"/>
-                <a:satMod val="300000"/>
-              </a:schemeClr>
-            </a:gs>
-            <a:gs pos="100000">
-              <a:schemeClr val="phClr">
-                <a:shade val="30000"/>
-                <a:satMod val="200000"/>
-              </a:schemeClr>
-            </a:gs>
-          </a:gsLst>
-          <a:path path="circle">
-            <a:fillToRect l="50000" t="50000" r="50000" b="50000"/>
-          </a:path>
-        </a:gradFill>
-      </a:bgFillStyleLst>
-    </a:fmtScheme>
-  </a:themeElements>
-</a:theme>
 </file>
--- a/Lectures/A2.b_Bash-loops_scripting.pptx
+++ b/Lectures/A2.b_Bash-loops_scripting.pptx
@@ -35,7 +35,6 @@
     <p:sldId id="280" r:id="rId30"/>
     <p:sldId id="281" r:id="rId31"/>
     <p:sldId id="282" r:id="rId32"/>
-    <p:sldId id="283" r:id="rId33"/>
   </p:sldIdLst>
   <p:sldSz cy="5143500" cx="9144000"/>
   <p:notesSz cx="6858000" cy="9144000"/>
@@ -2713,124 +2712,6 @@
       <p:sp>
         <p:nvSpPr>
           <p:cNvPr id="266" name="Google Shape;266;g9603dd27a0_0_0:notes"/>
-          <p:cNvSpPr txBox="1"/>
-          <p:nvPr>
-            <p:ph idx="1" type="body"/>
-          </p:nvPr>
-        </p:nvSpPr>
-        <p:spPr>
-          <a:xfrm>
-            <a:off x="685800" y="4343400"/>
-            <a:ext cx="5486400" cy="4114800"/>
-          </a:xfrm>
-          <a:prstGeom prst="rect">
-            <a:avLst/>
-          </a:prstGeom>
-          <a:noFill/>
-          <a:ln>
-            <a:noFill/>
-          </a:ln>
-        </p:spPr>
-        <p:txBody>
-          <a:bodyPr anchorCtr="0" anchor="t" bIns="91425" lIns="91425" spcFirstLastPara="1" rIns="91425" wrap="square" tIns="91425">
-            <a:noAutofit/>
-          </a:bodyPr>
-          <a:lstStyle/>
-          <a:p>
-            <a:pPr indent="0" lvl="0" marL="0" rtl="0" algn="l">
-              <a:lnSpc>
-                <a:spcPct val="100000"/>
-              </a:lnSpc>
-              <a:spcBef>
-                <a:spcPts val="0"/>
-              </a:spcBef>
-              <a:spcAft>
-                <a:spcPts val="0"/>
-              </a:spcAft>
-              <a:buSzPts val="1100"/>
-              <a:buNone/>
-            </a:pPr>
-            <a:r>
-              <a:rPr lang="en"/>
-              <a:t>Want to know if you encounter unwelcoming behavior outside or inside classroom</a:t>
-            </a:r>
-            <a:endParaRPr/>
-          </a:p>
-        </p:txBody>
-      </p:sp>
-    </p:spTree>
-  </p:cSld>
-  <p:clrMapOvr>
-    <a:masterClrMapping/>
-  </p:clrMapOvr>
-</p:notes>
-</file>
-
-<file path=ppt/notesSlides/notesSlide28.xml><?xml version="1.0" encoding="utf-8"?>
-<p:notes xmlns:a="http://schemas.openxmlformats.org/drawingml/2006/main" xmlns:r="http://schemas.openxmlformats.org/officeDocument/2006/relationships" xmlns:mc="http://schemas.openxmlformats.org/markup-compatibility/2006" xmlns:mv="urn:schemas-microsoft-com:mac:vml" xmlns:p="http://schemas.openxmlformats.org/presentationml/2006/main" xmlns:c="http://schemas.openxmlformats.org/drawingml/2006/chart" xmlns:dgm="http://schemas.openxmlformats.org/drawingml/2006/diagram" xmlns:o="urn:schemas-microsoft-com:office:office" xmlns:v="urn:schemas-microsoft-com:vml" xmlns:pvml="urn:schemas-microsoft-com:office:powerpoint" xmlns:com="http://schemas.openxmlformats.org/drawingml/2006/compatibility" xmlns:p14="http://schemas.microsoft.com/office/powerpoint/2010/main" xmlns:p15="http://schemas.microsoft.com/office/powerpoint/2012/main" xmlns:ahyp="http://schemas.microsoft.com/office/drawing/2018/hyperlinkcolor" showMasterPhAnim="0" showMasterSp="0">
-  <p:cSld>
-    <p:spTree>
-      <p:nvGrpSpPr>
-        <p:cNvPr id="271" name="Shape 271"/>
-        <p:cNvGrpSpPr/>
-        <p:nvPr/>
-      </p:nvGrpSpPr>
-      <p:grpSpPr>
-        <a:xfrm>
-          <a:off x="0" y="0"/>
-          <a:ext cx="0" cy="0"/>
-          <a:chOff x="0" y="0"/>
-          <a:chExt cx="0" cy="0"/>
-        </a:xfrm>
-      </p:grpSpPr>
-      <p:sp>
-        <p:nvSpPr>
-          <p:cNvPr id="272" name="Google Shape;272;g9603dd27a0_0_54:notes"/>
-          <p:cNvSpPr/>
-          <p:nvPr>
-            <p:ph idx="2" type="sldImg"/>
-          </p:nvPr>
-        </p:nvSpPr>
-        <p:spPr>
-          <a:xfrm>
-            <a:off x="381300" y="685800"/>
-            <a:ext cx="6096000" cy="3429000"/>
-          </a:xfrm>
-          <a:custGeom>
-            <a:rect b="b" l="l" r="r" t="t"/>
-            <a:pathLst>
-              <a:path extrusionOk="0" h="120000" w="120000">
-                <a:moveTo>
-                  <a:pt x="0" y="0"/>
-                </a:moveTo>
-                <a:lnTo>
-                  <a:pt x="120000" y="0"/>
-                </a:lnTo>
-                <a:lnTo>
-                  <a:pt x="120000" y="120000"/>
-                </a:lnTo>
-                <a:lnTo>
-                  <a:pt x="0" y="120000"/>
-                </a:lnTo>
-                <a:close/>
-              </a:path>
-            </a:pathLst>
-          </a:custGeom>
-          <a:noFill/>
-          <a:ln cap="flat" cmpd="sng" w="9525">
-            <a:solidFill>
-              <a:srgbClr val="000000"/>
-            </a:solidFill>
-            <a:prstDash val="solid"/>
-            <a:round/>
-            <a:headEnd len="sm" w="sm" type="none"/>
-            <a:tailEnd len="sm" w="sm" type="none"/>
-          </a:ln>
-        </p:spPr>
-      </p:sp>
-      <p:sp>
-        <p:nvSpPr>
-          <p:cNvPr id="273" name="Google Shape;273;g9603dd27a0_0_54:notes"/>
           <p:cNvSpPr txBox="1"/>
           <p:nvPr>
             <p:ph idx="1" type="body"/>
@@ -13950,373 +13831,6 @@
 </p:sld>
 </file>
 
-<file path=ppt/slides/slide28.xml><?xml version="1.0" encoding="utf-8"?>
-<p:sld xmlns:a="http://schemas.openxmlformats.org/drawingml/2006/main" xmlns:r="http://schemas.openxmlformats.org/officeDocument/2006/relationships" xmlns:mc="http://schemas.openxmlformats.org/markup-compatibility/2006" xmlns:mv="urn:schemas-microsoft-com:mac:vml" xmlns:p="http://schemas.openxmlformats.org/presentationml/2006/main" xmlns:c="http://schemas.openxmlformats.org/drawingml/2006/chart" xmlns:dgm="http://schemas.openxmlformats.org/drawingml/2006/diagram" xmlns:o="urn:schemas-microsoft-com:office:office" xmlns:v="urn:schemas-microsoft-com:vml" xmlns:pvml="urn:schemas-microsoft-com:office:powerpoint" xmlns:com="http://schemas.openxmlformats.org/drawingml/2006/compatibility" xmlns:p14="http://schemas.microsoft.com/office/powerpoint/2010/main" xmlns:p15="http://schemas.microsoft.com/office/powerpoint/2012/main" xmlns:ahyp="http://schemas.microsoft.com/office/drawing/2018/hyperlinkcolor">
-  <p:cSld>
-    <p:spTree>
-      <p:nvGrpSpPr>
-        <p:cNvPr id="274" name="Shape 274"/>
-        <p:cNvGrpSpPr/>
-        <p:nvPr/>
-      </p:nvGrpSpPr>
-      <p:grpSpPr>
-        <a:xfrm>
-          <a:off x="0" y="0"/>
-          <a:ext cx="0" cy="0"/>
-          <a:chOff x="0" y="0"/>
-          <a:chExt cx="0" cy="0"/>
-        </a:xfrm>
-      </p:grpSpPr>
-      <p:sp>
-        <p:nvSpPr>
-          <p:cNvPr id="275" name="Google Shape;275;p40"/>
-          <p:cNvSpPr/>
-          <p:nvPr/>
-        </p:nvSpPr>
-        <p:spPr>
-          <a:xfrm>
-            <a:off x="311700" y="347100"/>
-            <a:ext cx="8520600" cy="4449300"/>
-          </a:xfrm>
-          <a:prstGeom prst="rect">
-            <a:avLst/>
-          </a:prstGeom>
-          <a:solidFill>
-            <a:srgbClr val="B6D7A8"/>
-          </a:solidFill>
-          <a:ln>
-            <a:noFill/>
-          </a:ln>
-        </p:spPr>
-        <p:txBody>
-          <a:bodyPr anchorCtr="0" anchor="ctr" bIns="91425" lIns="91425" spcFirstLastPara="1" rIns="91425" wrap="square" tIns="91425">
-            <a:noAutofit/>
-          </a:bodyPr>
-          <a:lstStyle/>
-          <a:p>
-            <a:pPr indent="0" lvl="0" marL="0" marR="0" rtl="0" algn="l">
-              <a:lnSpc>
-                <a:spcPct val="100000"/>
-              </a:lnSpc>
-              <a:spcBef>
-                <a:spcPts val="0"/>
-              </a:spcBef>
-              <a:spcAft>
-                <a:spcPts val="0"/>
-              </a:spcAft>
-              <a:buClr>
-                <a:srgbClr val="000000"/>
-              </a:buClr>
-              <a:buSzPts val="1400"/>
-              <a:buFont typeface="Arial"/>
-              <a:buNone/>
-            </a:pPr>
-            <a:r>
-              <a:t/>
-            </a:r>
-            <a:endParaRPr b="0" i="0" sz="1400" u="none" cap="none" strike="noStrike">
-              <a:solidFill>
-                <a:srgbClr val="000000"/>
-              </a:solidFill>
-              <a:latin typeface="Arial"/>
-              <a:ea typeface="Arial"/>
-              <a:cs typeface="Arial"/>
-              <a:sym typeface="Arial"/>
-            </a:endParaRPr>
-          </a:p>
-        </p:txBody>
-      </p:sp>
-      <p:sp>
-        <p:nvSpPr>
-          <p:cNvPr id="276" name="Google Shape;276;p40"/>
-          <p:cNvSpPr txBox="1"/>
-          <p:nvPr>
-            <p:ph type="title"/>
-          </p:nvPr>
-        </p:nvSpPr>
-        <p:spPr>
-          <a:xfrm>
-            <a:off x="667950" y="2717500"/>
-            <a:ext cx="7808100" cy="841800"/>
-          </a:xfrm>
-          <a:prstGeom prst="rect">
-            <a:avLst/>
-          </a:prstGeom>
-          <a:noFill/>
-          <a:ln>
-            <a:noFill/>
-          </a:ln>
-        </p:spPr>
-        <p:txBody>
-          <a:bodyPr anchorCtr="0" anchor="ctr" bIns="91425" lIns="91425" spcFirstLastPara="1" rIns="91425" wrap="square" tIns="91425">
-            <a:noAutofit/>
-          </a:bodyPr>
-          <a:lstStyle/>
-          <a:p>
-            <a:pPr indent="0" lvl="0" marL="0" rtl="0" algn="ctr">
-              <a:lnSpc>
-                <a:spcPct val="100000"/>
-              </a:lnSpc>
-              <a:spcBef>
-                <a:spcPts val="0"/>
-              </a:spcBef>
-              <a:spcAft>
-                <a:spcPts val="0"/>
-              </a:spcAft>
-              <a:buSzPts val="3600"/>
-              <a:buNone/>
-            </a:pPr>
-            <a:r>
-              <a:rPr b="1" lang="en"/>
-              <a:t>Zoom Poll</a:t>
-            </a:r>
-            <a:endParaRPr b="1"/>
-          </a:p>
-          <a:p>
-            <a:pPr indent="0" lvl="0" marL="0" rtl="0" algn="ctr">
-              <a:lnSpc>
-                <a:spcPct val="100000"/>
-              </a:lnSpc>
-              <a:spcBef>
-                <a:spcPts val="0"/>
-              </a:spcBef>
-              <a:spcAft>
-                <a:spcPts val="0"/>
-              </a:spcAft>
-              <a:buSzPts val="3600"/>
-              <a:buNone/>
-            </a:pPr>
-            <a:r>
-              <a:t/>
-            </a:r>
-            <a:endParaRPr b="1"/>
-          </a:p>
-          <a:p>
-            <a:pPr indent="0" lvl="0" marL="0" rtl="0" algn="ctr">
-              <a:lnSpc>
-                <a:spcPct val="100000"/>
-              </a:lnSpc>
-              <a:spcBef>
-                <a:spcPts val="0"/>
-              </a:spcBef>
-              <a:spcAft>
-                <a:spcPts val="0"/>
-              </a:spcAft>
-              <a:buSzPts val="3600"/>
-              <a:buNone/>
-            </a:pPr>
-            <a:r>
-              <a:rPr b="1" lang="en" sz="3000"/>
-              <a:t>What’s been your favorite suite of topics, thus far? </a:t>
-            </a:r>
-            <a:endParaRPr sz="2000"/>
-          </a:p>
-          <a:p>
-            <a:pPr indent="0" lvl="0" marL="0" rtl="0" algn="l">
-              <a:lnSpc>
-                <a:spcPct val="100000"/>
-              </a:lnSpc>
-              <a:spcBef>
-                <a:spcPts val="0"/>
-              </a:spcBef>
-              <a:spcAft>
-                <a:spcPts val="0"/>
-              </a:spcAft>
-              <a:buSzPts val="3600"/>
-              <a:buNone/>
-            </a:pPr>
-            <a:r>
-              <a:t/>
-            </a:r>
-            <a:endParaRPr b="1"/>
-          </a:p>
-          <a:p>
-            <a:pPr indent="0" lvl="0" marL="0" rtl="0" algn="l">
-              <a:lnSpc>
-                <a:spcPct val="100000"/>
-              </a:lnSpc>
-              <a:spcBef>
-                <a:spcPts val="0"/>
-              </a:spcBef>
-              <a:spcAft>
-                <a:spcPts val="0"/>
-              </a:spcAft>
-              <a:buSzPts val="3600"/>
-              <a:buNone/>
-            </a:pPr>
-            <a:r>
-              <a:rPr lang="en" sz="1600"/>
-              <a:t>Day 1 (A1.a)</a:t>
-            </a:r>
-            <a:endParaRPr sz="1600"/>
-          </a:p>
-          <a:p>
-            <a:pPr indent="0" lvl="0" marL="0" rtl="0" algn="l">
-              <a:lnSpc>
-                <a:spcPct val="100000"/>
-              </a:lnSpc>
-              <a:spcBef>
-                <a:spcPts val="0"/>
-              </a:spcBef>
-              <a:spcAft>
-                <a:spcPts val="0"/>
-              </a:spcAft>
-              <a:buSzPts val="3600"/>
-              <a:buNone/>
-            </a:pPr>
-            <a:r>
-              <a:rPr lang="en" sz="1600"/>
-              <a:t>Day 2 (A1.b)</a:t>
-            </a:r>
-            <a:endParaRPr sz="1600"/>
-          </a:p>
-          <a:p>
-            <a:pPr indent="0" lvl="0" marL="0" rtl="0" algn="l">
-              <a:lnSpc>
-                <a:spcPct val="100000"/>
-              </a:lnSpc>
-              <a:spcBef>
-                <a:spcPts val="0"/>
-              </a:spcBef>
-              <a:spcAft>
-                <a:spcPts val="0"/>
-              </a:spcAft>
-              <a:buSzPts val="3600"/>
-              <a:buNone/>
-            </a:pPr>
-            <a:r>
-              <a:rPr lang="en" sz="1600"/>
-              <a:t>Day 3 (A2.a)</a:t>
-            </a:r>
-            <a:endParaRPr sz="1600"/>
-          </a:p>
-          <a:p>
-            <a:pPr indent="0" lvl="0" marL="0" rtl="0" algn="l">
-              <a:lnSpc>
-                <a:spcPct val="100000"/>
-              </a:lnSpc>
-              <a:spcBef>
-                <a:spcPts val="0"/>
-              </a:spcBef>
-              <a:spcAft>
-                <a:spcPts val="0"/>
-              </a:spcAft>
-              <a:buSzPts val="3600"/>
-              <a:buNone/>
-            </a:pPr>
-            <a:r>
-              <a:rPr lang="en" sz="1600"/>
-              <a:t>Day 4 (A2.b, today)</a:t>
-            </a:r>
-            <a:endParaRPr sz="1600"/>
-          </a:p>
-          <a:p>
-            <a:pPr indent="0" lvl="0" marL="0" rtl="0" algn="l">
-              <a:lnSpc>
-                <a:spcPct val="100000"/>
-              </a:lnSpc>
-              <a:spcBef>
-                <a:spcPts val="0"/>
-              </a:spcBef>
-              <a:spcAft>
-                <a:spcPts val="0"/>
-              </a:spcAft>
-              <a:buSzPts val="3600"/>
-              <a:buNone/>
-            </a:pPr>
-            <a:r>
-              <a:t/>
-            </a:r>
-            <a:endParaRPr b="1" sz="2000"/>
-          </a:p>
-          <a:p>
-            <a:pPr indent="0" lvl="0" marL="0" rtl="0" algn="l">
-              <a:lnSpc>
-                <a:spcPct val="100000"/>
-              </a:lnSpc>
-              <a:spcBef>
-                <a:spcPts val="0"/>
-              </a:spcBef>
-              <a:spcAft>
-                <a:spcPts val="0"/>
-              </a:spcAft>
-              <a:buSzPts val="3600"/>
-              <a:buNone/>
-            </a:pPr>
-            <a:r>
-              <a:t/>
-            </a:r>
-            <a:endParaRPr b="1" sz="2000"/>
-          </a:p>
-          <a:p>
-            <a:pPr indent="0" lvl="0" marL="0" rtl="0" algn="l">
-              <a:lnSpc>
-                <a:spcPct val="100000"/>
-              </a:lnSpc>
-              <a:spcBef>
-                <a:spcPts val="0"/>
-              </a:spcBef>
-              <a:spcAft>
-                <a:spcPts val="0"/>
-              </a:spcAft>
-              <a:buSzPts val="3600"/>
-              <a:buNone/>
-            </a:pPr>
-            <a:r>
-              <a:t/>
-            </a:r>
-            <a:endParaRPr b="1" sz="2000"/>
-          </a:p>
-        </p:txBody>
-      </p:sp>
-      <p:sp>
-        <p:nvSpPr>
-          <p:cNvPr id="277" name="Google Shape;277;p40"/>
-          <p:cNvSpPr txBox="1"/>
-          <p:nvPr>
-            <p:ph idx="12" type="sldNum"/>
-          </p:nvPr>
-        </p:nvSpPr>
-        <p:spPr>
-          <a:xfrm>
-            <a:off x="8472458" y="4663217"/>
-            <a:ext cx="548700" cy="393600"/>
-          </a:xfrm>
-          <a:prstGeom prst="rect">
-            <a:avLst/>
-          </a:prstGeom>
-        </p:spPr>
-        <p:txBody>
-          <a:bodyPr anchorCtr="0" anchor="ctr" bIns="91425" lIns="91425" spcFirstLastPara="1" rIns="91425" wrap="square" tIns="91425">
-            <a:noAutofit/>
-          </a:bodyPr>
-          <a:lstStyle/>
-          <a:p>
-            <a:pPr indent="0" lvl="0" marL="0" rtl="0" algn="r">
-              <a:spcBef>
-                <a:spcPts val="0"/>
-              </a:spcBef>
-              <a:spcAft>
-                <a:spcPts val="0"/>
-              </a:spcAft>
-              <a:buNone/>
-            </a:pPr>
-            <a:fld id="{00000000-1234-1234-1234-123412341234}" type="slidenum">
-              <a:rPr lang="en"/>
-              <a:t>‹#›</a:t>
-            </a:fld>
-            <a:endParaRPr/>
-          </a:p>
-        </p:txBody>
-      </p:sp>
-    </p:spTree>
-  </p:cSld>
-  <p:clrMapOvr>
-    <a:masterClrMapping/>
-  </p:clrMapOvr>
-</p:sld>
-</file>
-
 <file path=ppt/slides/slide3.xml><?xml version="1.0" encoding="utf-8"?>
 <p:sld xmlns:a="http://schemas.openxmlformats.org/drawingml/2006/main" xmlns:r="http://schemas.openxmlformats.org/officeDocument/2006/relationships" xmlns:mc="http://schemas.openxmlformats.org/markup-compatibility/2006" xmlns:mv="urn:schemas-microsoft-com:mac:vml" xmlns:p="http://schemas.openxmlformats.org/presentationml/2006/main" xmlns:c="http://schemas.openxmlformats.org/drawingml/2006/chart" xmlns:dgm="http://schemas.openxmlformats.org/drawingml/2006/diagram" xmlns:o="urn:schemas-microsoft-com:office:office" xmlns:v="urn:schemas-microsoft-com:vml" xmlns:pvml="urn:schemas-microsoft-com:office:powerpoint" xmlns:com="http://schemas.openxmlformats.org/drawingml/2006/compatibility" xmlns:p14="http://schemas.microsoft.com/office/powerpoint/2010/main" xmlns:p15="http://schemas.microsoft.com/office/powerpoint/2012/main" xmlns:ahyp="http://schemas.microsoft.com/office/drawing/2018/hyperlinkcolor">
   <p:cSld>
